--- a/power point/slide page.pptx
+++ b/power point/slide page.pptx
@@ -13,6 +13,15 @@
     <p:sldId id="261" r:id="rId7"/>
     <p:sldId id="262" r:id="rId8"/>
     <p:sldId id="263" r:id="rId9"/>
+    <p:sldId id="266" r:id="rId10"/>
+    <p:sldId id="267" r:id="rId11"/>
+    <p:sldId id="268" r:id="rId12"/>
+    <p:sldId id="269" r:id="rId13"/>
+    <p:sldId id="270" r:id="rId14"/>
+    <p:sldId id="271" r:id="rId15"/>
+    <p:sldId id="272" r:id="rId16"/>
+    <p:sldId id="275" r:id="rId17"/>
+    <p:sldId id="276" r:id="rId18"/>
   </p:sldIdLst>
   <p:sldSz cx="12192000" cy="6858000"/>
   <p:notesSz cx="6858000" cy="9144000"/>
@@ -268,7 +277,7 @@
           <a:p>
             <a:fld id="{C9E96EF2-4480-4948-A7D7-1FF105C103AF}" type="datetimeFigureOut">
               <a:rPr lang="en-GB" smtClean="0"/>
-              <a:t>30/11/2024</a:t>
+              <a:t>06/12/2024</a:t>
             </a:fld>
             <a:endParaRPr lang="en-GB"/>
           </a:p>
@@ -338,6 +347,18 @@
   <p:clrMapOvr>
     <a:masterClrMapping/>
   </p:clrMapOvr>
+  <mc:AlternateContent xmlns:mc="http://schemas.openxmlformats.org/markup-compatibility/2006" xmlns:p159="http://schemas.microsoft.com/office/powerpoint/2015/09/main">
+    <mc:Choice Requires="p159">
+      <p:transition xmlns:p14="http://schemas.microsoft.com/office/powerpoint/2010/main" spd="slow" p14:dur="2000">
+        <p159:morph option="byObject"/>
+      </p:transition>
+    </mc:Choice>
+    <mc:Fallback xmlns="">
+      <p:transition spd="slow">
+        <p:fade/>
+      </p:transition>
+    </mc:Fallback>
+  </mc:AlternateContent>
 </p:sldLayout>
 </file>
 
@@ -468,7 +489,7 @@
           <a:p>
             <a:fld id="{C9E96EF2-4480-4948-A7D7-1FF105C103AF}" type="datetimeFigureOut">
               <a:rPr lang="en-GB" smtClean="0"/>
-              <a:t>30/11/2024</a:t>
+              <a:t>06/12/2024</a:t>
             </a:fld>
             <a:endParaRPr lang="en-GB"/>
           </a:p>
@@ -538,6 +559,18 @@
   <p:clrMapOvr>
     <a:masterClrMapping/>
   </p:clrMapOvr>
+  <mc:AlternateContent xmlns:mc="http://schemas.openxmlformats.org/markup-compatibility/2006" xmlns:p159="http://schemas.microsoft.com/office/powerpoint/2015/09/main">
+    <mc:Choice Requires="p159">
+      <p:transition xmlns:p14="http://schemas.microsoft.com/office/powerpoint/2010/main" spd="slow" p14:dur="2000">
+        <p159:morph option="byObject"/>
+      </p:transition>
+    </mc:Choice>
+    <mc:Fallback xmlns="">
+      <p:transition spd="slow">
+        <p:fade/>
+      </p:transition>
+    </mc:Fallback>
+  </mc:AlternateContent>
 </p:sldLayout>
 </file>
 
@@ -678,7 +711,7 @@
           <a:p>
             <a:fld id="{C9E96EF2-4480-4948-A7D7-1FF105C103AF}" type="datetimeFigureOut">
               <a:rPr lang="en-GB" smtClean="0"/>
-              <a:t>30/11/2024</a:t>
+              <a:t>06/12/2024</a:t>
             </a:fld>
             <a:endParaRPr lang="en-GB"/>
           </a:p>
@@ -748,6 +781,18 @@
   <p:clrMapOvr>
     <a:masterClrMapping/>
   </p:clrMapOvr>
+  <mc:AlternateContent xmlns:mc="http://schemas.openxmlformats.org/markup-compatibility/2006" xmlns:p159="http://schemas.microsoft.com/office/powerpoint/2015/09/main">
+    <mc:Choice Requires="p159">
+      <p:transition xmlns:p14="http://schemas.microsoft.com/office/powerpoint/2010/main" spd="slow" p14:dur="2000">
+        <p159:morph option="byObject"/>
+      </p:transition>
+    </mc:Choice>
+    <mc:Fallback xmlns="">
+      <p:transition spd="slow">
+        <p:fade/>
+      </p:transition>
+    </mc:Fallback>
+  </mc:AlternateContent>
 </p:sldLayout>
 </file>
 
@@ -878,7 +923,7 @@
           <a:p>
             <a:fld id="{C9E96EF2-4480-4948-A7D7-1FF105C103AF}" type="datetimeFigureOut">
               <a:rPr lang="en-GB" smtClean="0"/>
-              <a:t>30/11/2024</a:t>
+              <a:t>06/12/2024</a:t>
             </a:fld>
             <a:endParaRPr lang="en-GB"/>
           </a:p>
@@ -948,6 +993,18 @@
   <p:clrMapOvr>
     <a:masterClrMapping/>
   </p:clrMapOvr>
+  <mc:AlternateContent xmlns:mc="http://schemas.openxmlformats.org/markup-compatibility/2006" xmlns:p159="http://schemas.microsoft.com/office/powerpoint/2015/09/main">
+    <mc:Choice Requires="p159">
+      <p:transition xmlns:p14="http://schemas.microsoft.com/office/powerpoint/2010/main" spd="slow" p14:dur="2000">
+        <p159:morph option="byObject"/>
+      </p:transition>
+    </mc:Choice>
+    <mc:Fallback xmlns="">
+      <p:transition spd="slow">
+        <p:fade/>
+      </p:transition>
+    </mc:Fallback>
+  </mc:AlternateContent>
 </p:sldLayout>
 </file>
 
@@ -1154,7 +1211,7 @@
           <a:p>
             <a:fld id="{C9E96EF2-4480-4948-A7D7-1FF105C103AF}" type="datetimeFigureOut">
               <a:rPr lang="en-GB" smtClean="0"/>
-              <a:t>30/11/2024</a:t>
+              <a:t>06/12/2024</a:t>
             </a:fld>
             <a:endParaRPr lang="en-GB"/>
           </a:p>
@@ -1224,6 +1281,18 @@
   <p:clrMapOvr>
     <a:masterClrMapping/>
   </p:clrMapOvr>
+  <mc:AlternateContent xmlns:mc="http://schemas.openxmlformats.org/markup-compatibility/2006" xmlns:p159="http://schemas.microsoft.com/office/powerpoint/2015/09/main">
+    <mc:Choice Requires="p159">
+      <p:transition xmlns:p14="http://schemas.microsoft.com/office/powerpoint/2010/main" spd="slow" p14:dur="2000">
+        <p159:morph option="byObject"/>
+      </p:transition>
+    </mc:Choice>
+    <mc:Fallback xmlns="">
+      <p:transition spd="slow">
+        <p:fade/>
+      </p:transition>
+    </mc:Fallback>
+  </mc:AlternateContent>
 </p:sldLayout>
 </file>
 
@@ -1422,7 +1491,7 @@
           <a:p>
             <a:fld id="{C9E96EF2-4480-4948-A7D7-1FF105C103AF}" type="datetimeFigureOut">
               <a:rPr lang="en-GB" smtClean="0"/>
-              <a:t>30/11/2024</a:t>
+              <a:t>06/12/2024</a:t>
             </a:fld>
             <a:endParaRPr lang="en-GB"/>
           </a:p>
@@ -1492,6 +1561,18 @@
   <p:clrMapOvr>
     <a:masterClrMapping/>
   </p:clrMapOvr>
+  <mc:AlternateContent xmlns:mc="http://schemas.openxmlformats.org/markup-compatibility/2006" xmlns:p159="http://schemas.microsoft.com/office/powerpoint/2015/09/main">
+    <mc:Choice Requires="p159">
+      <p:transition xmlns:p14="http://schemas.microsoft.com/office/powerpoint/2010/main" spd="slow" p14:dur="2000">
+        <p159:morph option="byObject"/>
+      </p:transition>
+    </mc:Choice>
+    <mc:Fallback xmlns="">
+      <p:transition spd="slow">
+        <p:fade/>
+      </p:transition>
+    </mc:Fallback>
+  </mc:AlternateContent>
 </p:sldLayout>
 </file>
 
@@ -1837,7 +1918,7 @@
           <a:p>
             <a:fld id="{C9E96EF2-4480-4948-A7D7-1FF105C103AF}" type="datetimeFigureOut">
               <a:rPr lang="en-GB" smtClean="0"/>
-              <a:t>30/11/2024</a:t>
+              <a:t>06/12/2024</a:t>
             </a:fld>
             <a:endParaRPr lang="en-GB"/>
           </a:p>
@@ -1907,6 +1988,18 @@
   <p:clrMapOvr>
     <a:masterClrMapping/>
   </p:clrMapOvr>
+  <mc:AlternateContent xmlns:mc="http://schemas.openxmlformats.org/markup-compatibility/2006" xmlns:p159="http://schemas.microsoft.com/office/powerpoint/2015/09/main">
+    <mc:Choice Requires="p159">
+      <p:transition xmlns:p14="http://schemas.microsoft.com/office/powerpoint/2010/main" spd="slow" p14:dur="2000">
+        <p159:morph option="byObject"/>
+      </p:transition>
+    </mc:Choice>
+    <mc:Fallback xmlns="">
+      <p:transition spd="slow">
+        <p:fade/>
+      </p:transition>
+    </mc:Fallback>
+  </mc:AlternateContent>
 </p:sldLayout>
 </file>
 
@@ -1979,7 +2072,7 @@
           <a:p>
             <a:fld id="{C9E96EF2-4480-4948-A7D7-1FF105C103AF}" type="datetimeFigureOut">
               <a:rPr lang="en-GB" smtClean="0"/>
-              <a:t>30/11/2024</a:t>
+              <a:t>06/12/2024</a:t>
             </a:fld>
             <a:endParaRPr lang="en-GB"/>
           </a:p>
@@ -2049,6 +2142,18 @@
   <p:clrMapOvr>
     <a:masterClrMapping/>
   </p:clrMapOvr>
+  <mc:AlternateContent xmlns:mc="http://schemas.openxmlformats.org/markup-compatibility/2006" xmlns:p159="http://schemas.microsoft.com/office/powerpoint/2015/09/main">
+    <mc:Choice Requires="p159">
+      <p:transition xmlns:p14="http://schemas.microsoft.com/office/powerpoint/2010/main" spd="slow" p14:dur="2000">
+        <p159:morph option="byObject"/>
+      </p:transition>
+    </mc:Choice>
+    <mc:Fallback xmlns="">
+      <p:transition spd="slow">
+        <p:fade/>
+      </p:transition>
+    </mc:Fallback>
+  </mc:AlternateContent>
 </p:sldLayout>
 </file>
 
@@ -2092,7 +2197,7 @@
           <a:p>
             <a:fld id="{C9E96EF2-4480-4948-A7D7-1FF105C103AF}" type="datetimeFigureOut">
               <a:rPr lang="en-GB" smtClean="0"/>
-              <a:t>30/11/2024</a:t>
+              <a:t>06/12/2024</a:t>
             </a:fld>
             <a:endParaRPr lang="en-GB"/>
           </a:p>
@@ -2162,6 +2267,18 @@
   <p:clrMapOvr>
     <a:masterClrMapping/>
   </p:clrMapOvr>
+  <mc:AlternateContent xmlns:mc="http://schemas.openxmlformats.org/markup-compatibility/2006" xmlns:p159="http://schemas.microsoft.com/office/powerpoint/2015/09/main">
+    <mc:Choice Requires="p159">
+      <p:transition xmlns:p14="http://schemas.microsoft.com/office/powerpoint/2010/main" spd="slow" p14:dur="2000">
+        <p159:morph option="byObject"/>
+      </p:transition>
+    </mc:Choice>
+    <mc:Fallback xmlns="">
+      <p:transition spd="slow">
+        <p:fade/>
+      </p:transition>
+    </mc:Fallback>
+  </mc:AlternateContent>
 </p:sldLayout>
 </file>
 
@@ -2405,7 +2522,7 @@
           <a:p>
             <a:fld id="{C9E96EF2-4480-4948-A7D7-1FF105C103AF}" type="datetimeFigureOut">
               <a:rPr lang="en-GB" smtClean="0"/>
-              <a:t>30/11/2024</a:t>
+              <a:t>06/12/2024</a:t>
             </a:fld>
             <a:endParaRPr lang="en-GB"/>
           </a:p>
@@ -2475,6 +2592,18 @@
   <p:clrMapOvr>
     <a:masterClrMapping/>
   </p:clrMapOvr>
+  <mc:AlternateContent xmlns:mc="http://schemas.openxmlformats.org/markup-compatibility/2006" xmlns:p159="http://schemas.microsoft.com/office/powerpoint/2015/09/main">
+    <mc:Choice Requires="p159">
+      <p:transition xmlns:p14="http://schemas.microsoft.com/office/powerpoint/2010/main" spd="slow" p14:dur="2000">
+        <p159:morph option="byObject"/>
+      </p:transition>
+    </mc:Choice>
+    <mc:Fallback xmlns="">
+      <p:transition spd="slow">
+        <p:fade/>
+      </p:transition>
+    </mc:Fallback>
+  </mc:AlternateContent>
 </p:sldLayout>
 </file>
 
@@ -2694,7 +2823,7 @@
           <a:p>
             <a:fld id="{C9E96EF2-4480-4948-A7D7-1FF105C103AF}" type="datetimeFigureOut">
               <a:rPr lang="en-GB" smtClean="0"/>
-              <a:t>30/11/2024</a:t>
+              <a:t>06/12/2024</a:t>
             </a:fld>
             <a:endParaRPr lang="en-GB"/>
           </a:p>
@@ -2764,6 +2893,18 @@
   <p:clrMapOvr>
     <a:masterClrMapping/>
   </p:clrMapOvr>
+  <mc:AlternateContent xmlns:mc="http://schemas.openxmlformats.org/markup-compatibility/2006" xmlns:p159="http://schemas.microsoft.com/office/powerpoint/2015/09/main">
+    <mc:Choice Requires="p159">
+      <p:transition xmlns:p14="http://schemas.microsoft.com/office/powerpoint/2010/main" spd="slow" p14:dur="2000">
+        <p159:morph option="byObject"/>
+      </p:transition>
+    </mc:Choice>
+    <mc:Fallback xmlns="">
+      <p:transition spd="slow">
+        <p:fade/>
+      </p:transition>
+    </mc:Fallback>
+  </mc:AlternateContent>
 </p:sldLayout>
 </file>
 
@@ -2937,7 +3078,7 @@
           <a:p>
             <a:fld id="{C9E96EF2-4480-4948-A7D7-1FF105C103AF}" type="datetimeFigureOut">
               <a:rPr lang="en-GB" smtClean="0"/>
-              <a:t>30/11/2024</a:t>
+              <a:t>06/12/2024</a:t>
             </a:fld>
             <a:endParaRPr lang="en-GB"/>
           </a:p>
@@ -3054,6 +3195,18 @@
     <p:sldLayoutId id="2147483658" r:id="rId10"/>
     <p:sldLayoutId id="2147483659" r:id="rId11"/>
   </p:sldLayoutIdLst>
+  <mc:AlternateContent xmlns:mc="http://schemas.openxmlformats.org/markup-compatibility/2006" xmlns:p159="http://schemas.microsoft.com/office/powerpoint/2015/09/main">
+    <mc:Choice Requires="p159">
+      <p:transition xmlns:p14="http://schemas.microsoft.com/office/powerpoint/2010/main" spd="slow" p14:dur="2000">
+        <p159:morph option="byObject"/>
+      </p:transition>
+    </mc:Choice>
+    <mc:Fallback xmlns="">
+      <p:transition spd="slow">
+        <p:fade/>
+      </p:transition>
+    </mc:Fallback>
+  </mc:AlternateContent>
   <p:txStyles>
     <p:titleStyle>
       <a:lvl1pPr algn="l" defTabSz="914400" rtl="0" eaLnBrk="1" latinLnBrk="0" hangingPunct="1">
@@ -4457,11 +4610,3455 @@
   </p:clrMapOvr>
   <mc:AlternateContent xmlns:mc="http://schemas.openxmlformats.org/markup-compatibility/2006" xmlns:p159="http://schemas.microsoft.com/office/powerpoint/2015/09/main">
     <mc:Choice Requires="p159">
-      <p:transition spd="slow">
+      <p:transition xmlns:p14="http://schemas.microsoft.com/office/powerpoint/2010/main" spd="slow" p14:dur="2000">
         <p159:morph option="byObject"/>
       </p:transition>
     </mc:Choice>
     <mc:Fallback xmlns="">
+      <p:transition spd="slow">
+        <p:fade/>
+      </p:transition>
+    </mc:Fallback>
+  </mc:AlternateContent>
+</p:sld>
+</file>
+
+<file path=ppt/slides/slide10.xml><?xml version="1.0" encoding="utf-8"?>
+<p:sld xmlns:a="http://schemas.openxmlformats.org/drawingml/2006/main" xmlns:r="http://schemas.openxmlformats.org/officeDocument/2006/relationships" xmlns:p="http://schemas.openxmlformats.org/presentationml/2006/main">
+  <p:cSld>
+    <p:spTree>
+      <p:nvGrpSpPr>
+        <p:cNvPr id="1" name=""/>
+        <p:cNvGrpSpPr/>
+        <p:nvPr/>
+      </p:nvGrpSpPr>
+      <p:grpSpPr>
+        <a:xfrm>
+          <a:off x="0" y="0"/>
+          <a:ext cx="0" cy="0"/>
+          <a:chOff x="0" y="0"/>
+          <a:chExt cx="0" cy="0"/>
+        </a:xfrm>
+      </p:grpSpPr>
+      <p:sp>
+        <p:nvSpPr>
+          <p:cNvPr id="4" name="Rectangle 3">
+            <a:extLst>
+              <a:ext uri="{FF2B5EF4-FFF2-40B4-BE49-F238E27FC236}">
+                <a16:creationId xmlns:a16="http://schemas.microsoft.com/office/drawing/2014/main" id="{1E8588B9-DA61-CD73-CF19-3E516454DF8D}"/>
+              </a:ext>
+            </a:extLst>
+          </p:cNvPr>
+          <p:cNvSpPr/>
+          <p:nvPr/>
+        </p:nvSpPr>
+        <p:spPr>
+          <a:xfrm>
+            <a:off x="0" y="0"/>
+            <a:ext cx="12192000" cy="6858000"/>
+          </a:xfrm>
+          <a:prstGeom prst="rect">
+            <a:avLst/>
+          </a:prstGeom>
+          <a:solidFill>
+            <a:schemeClr val="tx1"/>
+          </a:solidFill>
+        </p:spPr>
+        <p:style>
+          <a:lnRef idx="2">
+            <a:schemeClr val="accent1">
+              <a:shade val="15000"/>
+            </a:schemeClr>
+          </a:lnRef>
+          <a:fillRef idx="1">
+            <a:schemeClr val="accent1"/>
+          </a:fillRef>
+          <a:effectRef idx="0">
+            <a:schemeClr val="accent1"/>
+          </a:effectRef>
+          <a:fontRef idx="minor">
+            <a:schemeClr val="lt1"/>
+          </a:fontRef>
+        </p:style>
+        <p:txBody>
+          <a:bodyPr rtlCol="0" anchor="ctr"/>
+          <a:lstStyle/>
+          <a:p>
+            <a:pPr algn="ctr"/>
+            <a:endParaRPr lang="en-GB"/>
+          </a:p>
+        </p:txBody>
+      </p:sp>
+      <p:sp>
+        <p:nvSpPr>
+          <p:cNvPr id="6" name="Rectangle: Rounded Corners 5">
+            <a:extLst>
+              <a:ext uri="{FF2B5EF4-FFF2-40B4-BE49-F238E27FC236}">
+                <a16:creationId xmlns:a16="http://schemas.microsoft.com/office/drawing/2014/main" id="{E915CB4C-9D86-F864-8A87-1A642145E2B8}"/>
+              </a:ext>
+            </a:extLst>
+          </p:cNvPr>
+          <p:cNvSpPr/>
+          <p:nvPr/>
+        </p:nvSpPr>
+        <p:spPr>
+          <a:xfrm>
+            <a:off x="1596571" y="689426"/>
+            <a:ext cx="2975429" cy="4470400"/>
+          </a:xfrm>
+          <a:prstGeom prst="roundRect">
+            <a:avLst/>
+          </a:prstGeom>
+          <a:solidFill>
+            <a:schemeClr val="bg2">
+              <a:lumMod val="25000"/>
+            </a:schemeClr>
+          </a:solidFill>
+          <a:ln>
+            <a:noFill/>
+          </a:ln>
+        </p:spPr>
+        <p:style>
+          <a:lnRef idx="2">
+            <a:schemeClr val="accent1">
+              <a:shade val="15000"/>
+            </a:schemeClr>
+          </a:lnRef>
+          <a:fillRef idx="1">
+            <a:schemeClr val="accent1"/>
+          </a:fillRef>
+          <a:effectRef idx="0">
+            <a:schemeClr val="accent1"/>
+          </a:effectRef>
+          <a:fontRef idx="minor">
+            <a:schemeClr val="lt1"/>
+          </a:fontRef>
+        </p:style>
+        <p:txBody>
+          <a:bodyPr rtlCol="0" anchor="ctr"/>
+          <a:lstStyle/>
+          <a:p>
+            <a:pPr algn="ctr"/>
+            <a:endParaRPr lang="en-GB"/>
+          </a:p>
+        </p:txBody>
+      </p:sp>
+      <p:sp>
+        <p:nvSpPr>
+          <p:cNvPr id="8" name="Rectangle: Rounded Corners 7">
+            <a:extLst>
+              <a:ext uri="{FF2B5EF4-FFF2-40B4-BE49-F238E27FC236}">
+                <a16:creationId xmlns:a16="http://schemas.microsoft.com/office/drawing/2014/main" id="{A16FFB94-AD7A-ECBC-0930-47B640961A3A}"/>
+              </a:ext>
+            </a:extLst>
+          </p:cNvPr>
+          <p:cNvSpPr/>
+          <p:nvPr/>
+        </p:nvSpPr>
+        <p:spPr>
+          <a:xfrm>
+            <a:off x="1596571" y="5675085"/>
+            <a:ext cx="8846460" cy="667657"/>
+          </a:xfrm>
+          <a:prstGeom prst="roundRect">
+            <a:avLst/>
+          </a:prstGeom>
+          <a:solidFill>
+            <a:schemeClr val="bg2">
+              <a:lumMod val="25000"/>
+            </a:schemeClr>
+          </a:solidFill>
+          <a:ln>
+            <a:noFill/>
+          </a:ln>
+        </p:spPr>
+        <p:style>
+          <a:lnRef idx="2">
+            <a:schemeClr val="accent1">
+              <a:shade val="15000"/>
+            </a:schemeClr>
+          </a:lnRef>
+          <a:fillRef idx="1">
+            <a:schemeClr val="accent1"/>
+          </a:fillRef>
+          <a:effectRef idx="0">
+            <a:schemeClr val="accent1"/>
+          </a:effectRef>
+          <a:fontRef idx="minor">
+            <a:schemeClr val="lt1"/>
+          </a:fontRef>
+        </p:style>
+        <p:txBody>
+          <a:bodyPr rtlCol="0" anchor="ctr"/>
+          <a:lstStyle/>
+          <a:p>
+            <a:pPr algn="ctr"/>
+            <a:endParaRPr lang="en-GB"/>
+          </a:p>
+        </p:txBody>
+      </p:sp>
+      <p:sp>
+        <p:nvSpPr>
+          <p:cNvPr id="9" name="Oval 8">
+            <a:extLst>
+              <a:ext uri="{FF2B5EF4-FFF2-40B4-BE49-F238E27FC236}">
+                <a16:creationId xmlns:a16="http://schemas.microsoft.com/office/drawing/2014/main" id="{4241FA3D-AF54-627C-C686-21020A8B782D}"/>
+              </a:ext>
+            </a:extLst>
+          </p:cNvPr>
+          <p:cNvSpPr/>
+          <p:nvPr/>
+        </p:nvSpPr>
+        <p:spPr>
+          <a:xfrm>
+            <a:off x="8621487" y="5675085"/>
+            <a:ext cx="667657" cy="667657"/>
+          </a:xfrm>
+          <a:prstGeom prst="ellipse">
+            <a:avLst/>
+          </a:prstGeom>
+          <a:solidFill>
+            <a:srgbClr val="FF0000"/>
+          </a:solidFill>
+          <a:ln>
+            <a:noFill/>
+          </a:ln>
+        </p:spPr>
+        <p:style>
+          <a:lnRef idx="2">
+            <a:schemeClr val="accent6">
+              <a:shade val="15000"/>
+            </a:schemeClr>
+          </a:lnRef>
+          <a:fillRef idx="1">
+            <a:schemeClr val="accent6"/>
+          </a:fillRef>
+          <a:effectRef idx="0">
+            <a:schemeClr val="accent6"/>
+          </a:effectRef>
+          <a:fontRef idx="minor">
+            <a:schemeClr val="lt1"/>
+          </a:fontRef>
+        </p:style>
+        <p:txBody>
+          <a:bodyPr rtlCol="0" anchor="ctr"/>
+          <a:lstStyle/>
+          <a:p>
+            <a:pPr algn="ctr"/>
+            <a:endParaRPr lang="en-GB"/>
+          </a:p>
+        </p:txBody>
+      </p:sp>
+      <p:sp>
+        <p:nvSpPr>
+          <p:cNvPr id="2" name="Rectangle: Rounded Corners 1">
+            <a:extLst>
+              <a:ext uri="{FF2B5EF4-FFF2-40B4-BE49-F238E27FC236}">
+                <a16:creationId xmlns:a16="http://schemas.microsoft.com/office/drawing/2014/main" id="{53AF9F52-F1B8-D8C7-7190-0D7D1DE9E02D}"/>
+              </a:ext>
+            </a:extLst>
+          </p:cNvPr>
+          <p:cNvSpPr/>
+          <p:nvPr/>
+        </p:nvSpPr>
+        <p:spPr>
+          <a:xfrm>
+            <a:off x="7467602" y="689426"/>
+            <a:ext cx="2975429" cy="4470400"/>
+          </a:xfrm>
+          <a:prstGeom prst="roundRect">
+            <a:avLst/>
+          </a:prstGeom>
+          <a:solidFill>
+            <a:srgbClr val="FF0000"/>
+          </a:solidFill>
+          <a:ln>
+            <a:noFill/>
+          </a:ln>
+        </p:spPr>
+        <p:style>
+          <a:lnRef idx="2">
+            <a:schemeClr val="accent1">
+              <a:shade val="15000"/>
+            </a:schemeClr>
+          </a:lnRef>
+          <a:fillRef idx="1">
+            <a:schemeClr val="accent1"/>
+          </a:fillRef>
+          <a:effectRef idx="0">
+            <a:schemeClr val="accent1"/>
+          </a:effectRef>
+          <a:fontRef idx="minor">
+            <a:schemeClr val="lt1"/>
+          </a:fontRef>
+        </p:style>
+        <p:txBody>
+          <a:bodyPr rtlCol="0" anchor="ctr"/>
+          <a:lstStyle/>
+          <a:p>
+            <a:pPr algn="ctr"/>
+            <a:endParaRPr lang="en-GB"/>
+          </a:p>
+        </p:txBody>
+      </p:sp>
+    </p:spTree>
+    <p:extLst>
+      <p:ext uri="{BB962C8B-B14F-4D97-AF65-F5344CB8AC3E}">
+        <p14:creationId xmlns:p14="http://schemas.microsoft.com/office/powerpoint/2010/main" val="2238793257"/>
+      </p:ext>
+    </p:extLst>
+  </p:cSld>
+  <p:clrMapOvr>
+    <a:masterClrMapping/>
+  </p:clrMapOvr>
+  <mc:AlternateContent xmlns:mc="http://schemas.openxmlformats.org/markup-compatibility/2006" xmlns:p159="http://schemas.microsoft.com/office/powerpoint/2015/09/main">
+    <mc:Choice Requires="p159">
+      <p:transition xmlns:p14="http://schemas.microsoft.com/office/powerpoint/2010/main" spd="slow" p14:dur="2000">
+        <p159:morph option="byObject"/>
+      </p:transition>
+    </mc:Choice>
+    <mc:Fallback xmlns="">
+      <p:transition spd="slow">
+        <p:fade/>
+      </p:transition>
+    </mc:Fallback>
+  </mc:AlternateContent>
+</p:sld>
+</file>
+
+<file path=ppt/slides/slide11.xml><?xml version="1.0" encoding="utf-8"?>
+<p:sld xmlns:a="http://schemas.openxmlformats.org/drawingml/2006/main" xmlns:r="http://schemas.openxmlformats.org/officeDocument/2006/relationships" xmlns:p="http://schemas.openxmlformats.org/presentationml/2006/main">
+  <p:cSld>
+    <p:bg>
+      <p:bgPr>
+        <a:solidFill>
+          <a:schemeClr val="tx1"/>
+        </a:solidFill>
+        <a:effectLst/>
+      </p:bgPr>
+    </p:bg>
+    <p:spTree>
+      <p:nvGrpSpPr>
+        <p:cNvPr id="1" name=""/>
+        <p:cNvGrpSpPr/>
+        <p:nvPr/>
+      </p:nvGrpSpPr>
+      <p:grpSpPr>
+        <a:xfrm>
+          <a:off x="0" y="0"/>
+          <a:ext cx="0" cy="0"/>
+          <a:chOff x="0" y="0"/>
+          <a:chExt cx="0" cy="0"/>
+        </a:xfrm>
+      </p:grpSpPr>
+      <p:sp>
+        <p:nvSpPr>
+          <p:cNvPr id="4" name="Rectangle 3">
+            <a:extLst>
+              <a:ext uri="{FF2B5EF4-FFF2-40B4-BE49-F238E27FC236}">
+                <a16:creationId xmlns:a16="http://schemas.microsoft.com/office/drawing/2014/main" id="{E7CCF6FD-5C24-5619-95A3-A70D06377898}"/>
+              </a:ext>
+            </a:extLst>
+          </p:cNvPr>
+          <p:cNvSpPr/>
+          <p:nvPr/>
+        </p:nvSpPr>
+        <p:spPr>
+          <a:xfrm>
+            <a:off x="0" y="1074057"/>
+            <a:ext cx="12192000" cy="5783943"/>
+          </a:xfrm>
+          <a:prstGeom prst="rect">
+            <a:avLst/>
+          </a:prstGeom>
+          <a:ln>
+            <a:noFill/>
+          </a:ln>
+        </p:spPr>
+        <p:style>
+          <a:lnRef idx="2">
+            <a:schemeClr val="accent1">
+              <a:shade val="15000"/>
+            </a:schemeClr>
+          </a:lnRef>
+          <a:fillRef idx="1">
+            <a:schemeClr val="accent1"/>
+          </a:fillRef>
+          <a:effectRef idx="0">
+            <a:schemeClr val="accent1"/>
+          </a:effectRef>
+          <a:fontRef idx="minor">
+            <a:schemeClr val="lt1"/>
+          </a:fontRef>
+        </p:style>
+        <p:txBody>
+          <a:bodyPr rtlCol="0" anchor="ctr"/>
+          <a:lstStyle/>
+          <a:p>
+            <a:pPr algn="ctr"/>
+            <a:endParaRPr lang="en-GB"/>
+          </a:p>
+        </p:txBody>
+      </p:sp>
+      <p:sp>
+        <p:nvSpPr>
+          <p:cNvPr id="5" name="Rectangle: Rounded Corners 4">
+            <a:extLst>
+              <a:ext uri="{FF2B5EF4-FFF2-40B4-BE49-F238E27FC236}">
+                <a16:creationId xmlns:a16="http://schemas.microsoft.com/office/drawing/2014/main" id="{3906B4D7-ACFE-C2F6-1558-3DB36A4603EC}"/>
+              </a:ext>
+            </a:extLst>
+          </p:cNvPr>
+          <p:cNvSpPr/>
+          <p:nvPr/>
+        </p:nvSpPr>
+        <p:spPr>
+          <a:xfrm>
+            <a:off x="0" y="304801"/>
+            <a:ext cx="2380343" cy="928914"/>
+          </a:xfrm>
+          <a:prstGeom prst="roundRect">
+            <a:avLst/>
+          </a:prstGeom>
+          <a:ln>
+            <a:noFill/>
+          </a:ln>
+        </p:spPr>
+        <p:style>
+          <a:lnRef idx="2">
+            <a:schemeClr val="accent1">
+              <a:shade val="15000"/>
+            </a:schemeClr>
+          </a:lnRef>
+          <a:fillRef idx="1">
+            <a:schemeClr val="accent1"/>
+          </a:fillRef>
+          <a:effectRef idx="0">
+            <a:schemeClr val="accent1"/>
+          </a:effectRef>
+          <a:fontRef idx="minor">
+            <a:schemeClr val="lt1"/>
+          </a:fontRef>
+        </p:style>
+        <p:txBody>
+          <a:bodyPr rtlCol="0" anchor="ctr"/>
+          <a:lstStyle/>
+          <a:p>
+            <a:pPr algn="ctr"/>
+            <a:endParaRPr lang="en-GB"/>
+          </a:p>
+        </p:txBody>
+      </p:sp>
+      <p:sp>
+        <p:nvSpPr>
+          <p:cNvPr id="6" name="TextBox 5">
+            <a:extLst>
+              <a:ext uri="{FF2B5EF4-FFF2-40B4-BE49-F238E27FC236}">
+                <a16:creationId xmlns:a16="http://schemas.microsoft.com/office/drawing/2014/main" id="{F64E40D0-2521-2B68-E1B5-FAF02B623087}"/>
+              </a:ext>
+            </a:extLst>
+          </p:cNvPr>
+          <p:cNvSpPr txBox="1"/>
+          <p:nvPr/>
+        </p:nvSpPr>
+        <p:spPr>
+          <a:xfrm>
+            <a:off x="101599" y="319314"/>
+            <a:ext cx="1901371" cy="646331"/>
+          </a:xfrm>
+          <a:prstGeom prst="rect">
+            <a:avLst/>
+          </a:prstGeom>
+          <a:noFill/>
+        </p:spPr>
+        <p:txBody>
+          <a:bodyPr wrap="square" rtlCol="0">
+            <a:spAutoFit/>
+          </a:bodyPr>
+          <a:lstStyle/>
+          <a:p>
+            <a:pPr algn="ctr"/>
+            <a:r>
+              <a:rPr lang="en-US" sz="3600" dirty="0">
+                <a:solidFill>
+                  <a:schemeClr val="bg1"/>
+                </a:solidFill>
+                <a:latin typeface="Amasis MT Pro Black" panose="02040A04050005020304" pitchFamily="18" charset="0"/>
+              </a:rPr>
+              <a:t>PAGE 1</a:t>
+            </a:r>
+            <a:endParaRPr lang="en-GB" sz="3600" dirty="0">
+              <a:solidFill>
+                <a:schemeClr val="bg1"/>
+              </a:solidFill>
+              <a:latin typeface="Amasis MT Pro Black" panose="02040A04050005020304" pitchFamily="18" charset="0"/>
+            </a:endParaRPr>
+          </a:p>
+        </p:txBody>
+      </p:sp>
+      <p:sp>
+        <p:nvSpPr>
+          <p:cNvPr id="9" name="TextBox 8">
+            <a:extLst>
+              <a:ext uri="{FF2B5EF4-FFF2-40B4-BE49-F238E27FC236}">
+                <a16:creationId xmlns:a16="http://schemas.microsoft.com/office/drawing/2014/main" id="{DC55429C-8A23-C521-FF24-DAFBF0B26063}"/>
+              </a:ext>
+            </a:extLst>
+          </p:cNvPr>
+          <p:cNvSpPr txBox="1"/>
+          <p:nvPr/>
+        </p:nvSpPr>
+        <p:spPr>
+          <a:xfrm>
+            <a:off x="2503713" y="319314"/>
+            <a:ext cx="1901371" cy="646331"/>
+          </a:xfrm>
+          <a:prstGeom prst="rect">
+            <a:avLst/>
+          </a:prstGeom>
+          <a:noFill/>
+        </p:spPr>
+        <p:txBody>
+          <a:bodyPr wrap="square" rtlCol="0">
+            <a:spAutoFit/>
+          </a:bodyPr>
+          <a:lstStyle/>
+          <a:p>
+            <a:pPr algn="ctr"/>
+            <a:r>
+              <a:rPr lang="en-US" sz="3600" dirty="0">
+                <a:solidFill>
+                  <a:schemeClr val="bg2">
+                    <a:lumMod val="25000"/>
+                  </a:schemeClr>
+                </a:solidFill>
+                <a:latin typeface="Amasis MT Pro Black" panose="02040A04050005020304" pitchFamily="18" charset="0"/>
+              </a:rPr>
+              <a:t>PAGE 2</a:t>
+            </a:r>
+            <a:endParaRPr lang="en-GB" sz="3600" dirty="0">
+              <a:solidFill>
+                <a:schemeClr val="bg2">
+                  <a:lumMod val="25000"/>
+                </a:schemeClr>
+              </a:solidFill>
+              <a:latin typeface="Amasis MT Pro Black" panose="02040A04050005020304" pitchFamily="18" charset="0"/>
+            </a:endParaRPr>
+          </a:p>
+        </p:txBody>
+      </p:sp>
+      <p:sp>
+        <p:nvSpPr>
+          <p:cNvPr id="10" name="TextBox 9">
+            <a:extLst>
+              <a:ext uri="{FF2B5EF4-FFF2-40B4-BE49-F238E27FC236}">
+                <a16:creationId xmlns:a16="http://schemas.microsoft.com/office/drawing/2014/main" id="{96AB6B33-AF80-E1A4-157D-A484AA2DDEE8}"/>
+              </a:ext>
+            </a:extLst>
+          </p:cNvPr>
+          <p:cNvSpPr txBox="1"/>
+          <p:nvPr/>
+        </p:nvSpPr>
+        <p:spPr>
+          <a:xfrm>
+            <a:off x="4804226" y="304801"/>
+            <a:ext cx="1901371" cy="646331"/>
+          </a:xfrm>
+          <a:prstGeom prst="rect">
+            <a:avLst/>
+          </a:prstGeom>
+          <a:noFill/>
+        </p:spPr>
+        <p:txBody>
+          <a:bodyPr wrap="square" rtlCol="0">
+            <a:spAutoFit/>
+          </a:bodyPr>
+          <a:lstStyle/>
+          <a:p>
+            <a:pPr algn="ctr"/>
+            <a:r>
+              <a:rPr lang="en-US" sz="3600" dirty="0">
+                <a:solidFill>
+                  <a:schemeClr val="bg2">
+                    <a:lumMod val="25000"/>
+                  </a:schemeClr>
+                </a:solidFill>
+                <a:latin typeface="Amasis MT Pro Black" panose="02040A04050005020304" pitchFamily="18" charset="0"/>
+              </a:rPr>
+              <a:t>PAGE 3</a:t>
+            </a:r>
+            <a:endParaRPr lang="en-GB" sz="3600" dirty="0">
+              <a:solidFill>
+                <a:schemeClr val="bg2">
+                  <a:lumMod val="25000"/>
+                </a:schemeClr>
+              </a:solidFill>
+              <a:latin typeface="Amasis MT Pro Black" panose="02040A04050005020304" pitchFamily="18" charset="0"/>
+            </a:endParaRPr>
+          </a:p>
+        </p:txBody>
+      </p:sp>
+      <p:sp>
+        <p:nvSpPr>
+          <p:cNvPr id="11" name="TextBox 10">
+            <a:extLst>
+              <a:ext uri="{FF2B5EF4-FFF2-40B4-BE49-F238E27FC236}">
+                <a16:creationId xmlns:a16="http://schemas.microsoft.com/office/drawing/2014/main" id="{A12CE6F1-7645-075E-3398-493D1A30C454}"/>
+              </a:ext>
+            </a:extLst>
+          </p:cNvPr>
+          <p:cNvSpPr txBox="1"/>
+          <p:nvPr/>
+        </p:nvSpPr>
+        <p:spPr>
+          <a:xfrm>
+            <a:off x="7104739" y="304801"/>
+            <a:ext cx="1901371" cy="646331"/>
+          </a:xfrm>
+          <a:prstGeom prst="rect">
+            <a:avLst/>
+          </a:prstGeom>
+          <a:noFill/>
+        </p:spPr>
+        <p:txBody>
+          <a:bodyPr wrap="square" rtlCol="0">
+            <a:spAutoFit/>
+          </a:bodyPr>
+          <a:lstStyle/>
+          <a:p>
+            <a:pPr algn="ctr"/>
+            <a:r>
+              <a:rPr lang="en-US" sz="3600" dirty="0">
+                <a:solidFill>
+                  <a:schemeClr val="bg2">
+                    <a:lumMod val="25000"/>
+                  </a:schemeClr>
+                </a:solidFill>
+                <a:latin typeface="Amasis MT Pro Black" panose="02040A04050005020304" pitchFamily="18" charset="0"/>
+              </a:rPr>
+              <a:t>PAGE 4</a:t>
+            </a:r>
+            <a:endParaRPr lang="en-GB" sz="3600" dirty="0">
+              <a:solidFill>
+                <a:schemeClr val="bg2">
+                  <a:lumMod val="25000"/>
+                </a:schemeClr>
+              </a:solidFill>
+              <a:latin typeface="Amasis MT Pro Black" panose="02040A04050005020304" pitchFamily="18" charset="0"/>
+            </a:endParaRPr>
+          </a:p>
+        </p:txBody>
+      </p:sp>
+      <p:sp>
+        <p:nvSpPr>
+          <p:cNvPr id="12" name="TextBox 11">
+            <a:extLst>
+              <a:ext uri="{FF2B5EF4-FFF2-40B4-BE49-F238E27FC236}">
+                <a16:creationId xmlns:a16="http://schemas.microsoft.com/office/drawing/2014/main" id="{1343E515-992A-91F4-A77C-C2DAC2BF1979}"/>
+              </a:ext>
+            </a:extLst>
+          </p:cNvPr>
+          <p:cNvSpPr txBox="1"/>
+          <p:nvPr/>
+        </p:nvSpPr>
+        <p:spPr>
+          <a:xfrm>
+            <a:off x="9405252" y="304801"/>
+            <a:ext cx="1901371" cy="646331"/>
+          </a:xfrm>
+          <a:prstGeom prst="rect">
+            <a:avLst/>
+          </a:prstGeom>
+          <a:noFill/>
+        </p:spPr>
+        <p:txBody>
+          <a:bodyPr wrap="square" rtlCol="0">
+            <a:spAutoFit/>
+          </a:bodyPr>
+          <a:lstStyle/>
+          <a:p>
+            <a:pPr algn="ctr"/>
+            <a:r>
+              <a:rPr lang="en-US" sz="3600" dirty="0">
+                <a:solidFill>
+                  <a:schemeClr val="bg2">
+                    <a:lumMod val="25000"/>
+                  </a:schemeClr>
+                </a:solidFill>
+                <a:latin typeface="Amasis MT Pro Black" panose="02040A04050005020304" pitchFamily="18" charset="0"/>
+              </a:rPr>
+              <a:t>PAGE 5</a:t>
+            </a:r>
+            <a:endParaRPr lang="en-GB" sz="3600" dirty="0">
+              <a:solidFill>
+                <a:schemeClr val="bg2">
+                  <a:lumMod val="25000"/>
+                </a:schemeClr>
+              </a:solidFill>
+              <a:latin typeface="Amasis MT Pro Black" panose="02040A04050005020304" pitchFamily="18" charset="0"/>
+            </a:endParaRPr>
+          </a:p>
+        </p:txBody>
+      </p:sp>
+    </p:spTree>
+    <p:extLst>
+      <p:ext uri="{BB962C8B-B14F-4D97-AF65-F5344CB8AC3E}">
+        <p14:creationId xmlns:p14="http://schemas.microsoft.com/office/powerpoint/2010/main" val="2300348726"/>
+      </p:ext>
+    </p:extLst>
+  </p:cSld>
+  <p:clrMapOvr>
+    <a:masterClrMapping/>
+  </p:clrMapOvr>
+  <mc:AlternateContent xmlns:mc="http://schemas.openxmlformats.org/markup-compatibility/2006" xmlns:p159="http://schemas.microsoft.com/office/powerpoint/2015/09/main">
+    <mc:Choice Requires="p159">
+      <p:transition xmlns:p14="http://schemas.microsoft.com/office/powerpoint/2010/main" spd="slow" p14:dur="2000">
+        <p159:morph option="byObject"/>
+      </p:transition>
+    </mc:Choice>
+    <mc:Fallback xmlns="">
+      <p:transition spd="slow">
+        <p:fade/>
+      </p:transition>
+    </mc:Fallback>
+  </mc:AlternateContent>
+</p:sld>
+</file>
+
+<file path=ppt/slides/slide12.xml><?xml version="1.0" encoding="utf-8"?>
+<p:sld xmlns:a="http://schemas.openxmlformats.org/drawingml/2006/main" xmlns:r="http://schemas.openxmlformats.org/officeDocument/2006/relationships" xmlns:p="http://schemas.openxmlformats.org/presentationml/2006/main">
+  <p:cSld>
+    <p:bg>
+      <p:bgPr>
+        <a:solidFill>
+          <a:schemeClr val="tx1"/>
+        </a:solidFill>
+        <a:effectLst/>
+      </p:bgPr>
+    </p:bg>
+    <p:spTree>
+      <p:nvGrpSpPr>
+        <p:cNvPr id="1" name=""/>
+        <p:cNvGrpSpPr/>
+        <p:nvPr/>
+      </p:nvGrpSpPr>
+      <p:grpSpPr>
+        <a:xfrm>
+          <a:off x="0" y="0"/>
+          <a:ext cx="0" cy="0"/>
+          <a:chOff x="0" y="0"/>
+          <a:chExt cx="0" cy="0"/>
+        </a:xfrm>
+      </p:grpSpPr>
+      <p:sp>
+        <p:nvSpPr>
+          <p:cNvPr id="5" name="Rectangle: Rounded Corners 4">
+            <a:extLst>
+              <a:ext uri="{FF2B5EF4-FFF2-40B4-BE49-F238E27FC236}">
+                <a16:creationId xmlns:a16="http://schemas.microsoft.com/office/drawing/2014/main" id="{3906B4D7-ACFE-C2F6-1558-3DB36A4603EC}"/>
+              </a:ext>
+            </a:extLst>
+          </p:cNvPr>
+          <p:cNvSpPr/>
+          <p:nvPr/>
+        </p:nvSpPr>
+        <p:spPr>
+          <a:xfrm>
+            <a:off x="2264226" y="319314"/>
+            <a:ext cx="2380343" cy="928914"/>
+          </a:xfrm>
+          <a:prstGeom prst="roundRect">
+            <a:avLst/>
+          </a:prstGeom>
+          <a:solidFill>
+            <a:schemeClr val="accent1">
+              <a:lumMod val="60000"/>
+              <a:lumOff val="40000"/>
+            </a:schemeClr>
+          </a:solidFill>
+          <a:ln>
+            <a:noFill/>
+          </a:ln>
+        </p:spPr>
+        <p:style>
+          <a:lnRef idx="2">
+            <a:schemeClr val="accent1">
+              <a:shade val="15000"/>
+            </a:schemeClr>
+          </a:lnRef>
+          <a:fillRef idx="1">
+            <a:schemeClr val="accent1"/>
+          </a:fillRef>
+          <a:effectRef idx="0">
+            <a:schemeClr val="accent1"/>
+          </a:effectRef>
+          <a:fontRef idx="minor">
+            <a:schemeClr val="lt1"/>
+          </a:fontRef>
+        </p:style>
+        <p:txBody>
+          <a:bodyPr rtlCol="0" anchor="ctr"/>
+          <a:lstStyle/>
+          <a:p>
+            <a:pPr algn="ctr"/>
+            <a:endParaRPr lang="en-GB">
+              <a:solidFill>
+                <a:schemeClr val="bg2">
+                  <a:lumMod val="25000"/>
+                </a:schemeClr>
+              </a:solidFill>
+            </a:endParaRPr>
+          </a:p>
+        </p:txBody>
+      </p:sp>
+      <p:sp>
+        <p:nvSpPr>
+          <p:cNvPr id="4" name="Rectangle 3">
+            <a:extLst>
+              <a:ext uri="{FF2B5EF4-FFF2-40B4-BE49-F238E27FC236}">
+                <a16:creationId xmlns:a16="http://schemas.microsoft.com/office/drawing/2014/main" id="{E7CCF6FD-5C24-5619-95A3-A70D06377898}"/>
+              </a:ext>
+            </a:extLst>
+          </p:cNvPr>
+          <p:cNvSpPr/>
+          <p:nvPr/>
+        </p:nvSpPr>
+        <p:spPr>
+          <a:xfrm>
+            <a:off x="0" y="1074057"/>
+            <a:ext cx="12192000" cy="5783943"/>
+          </a:xfrm>
+          <a:prstGeom prst="rect">
+            <a:avLst/>
+          </a:prstGeom>
+          <a:solidFill>
+            <a:schemeClr val="accent1">
+              <a:lumMod val="60000"/>
+              <a:lumOff val="40000"/>
+            </a:schemeClr>
+          </a:solidFill>
+          <a:ln>
+            <a:noFill/>
+          </a:ln>
+        </p:spPr>
+        <p:style>
+          <a:lnRef idx="2">
+            <a:schemeClr val="accent1">
+              <a:shade val="15000"/>
+            </a:schemeClr>
+          </a:lnRef>
+          <a:fillRef idx="1">
+            <a:schemeClr val="accent1"/>
+          </a:fillRef>
+          <a:effectRef idx="0">
+            <a:schemeClr val="accent1"/>
+          </a:effectRef>
+          <a:fontRef idx="minor">
+            <a:schemeClr val="lt1"/>
+          </a:fontRef>
+        </p:style>
+        <p:txBody>
+          <a:bodyPr rtlCol="0" anchor="ctr"/>
+          <a:lstStyle/>
+          <a:p>
+            <a:pPr algn="ctr"/>
+            <a:endParaRPr lang="en-GB"/>
+          </a:p>
+        </p:txBody>
+      </p:sp>
+      <p:sp>
+        <p:nvSpPr>
+          <p:cNvPr id="6" name="TextBox 5">
+            <a:extLst>
+              <a:ext uri="{FF2B5EF4-FFF2-40B4-BE49-F238E27FC236}">
+                <a16:creationId xmlns:a16="http://schemas.microsoft.com/office/drawing/2014/main" id="{F64E40D0-2521-2B68-E1B5-FAF02B623087}"/>
+              </a:ext>
+            </a:extLst>
+          </p:cNvPr>
+          <p:cNvSpPr txBox="1"/>
+          <p:nvPr/>
+        </p:nvSpPr>
+        <p:spPr>
+          <a:xfrm>
+            <a:off x="101599" y="319314"/>
+            <a:ext cx="1901371" cy="646331"/>
+          </a:xfrm>
+          <a:prstGeom prst="rect">
+            <a:avLst/>
+          </a:prstGeom>
+          <a:noFill/>
+        </p:spPr>
+        <p:txBody>
+          <a:bodyPr wrap="square" rtlCol="0">
+            <a:spAutoFit/>
+          </a:bodyPr>
+          <a:lstStyle/>
+          <a:p>
+            <a:pPr algn="ctr"/>
+            <a:r>
+              <a:rPr lang="en-US" sz="3600" dirty="0">
+                <a:solidFill>
+                  <a:schemeClr val="bg2">
+                    <a:lumMod val="25000"/>
+                  </a:schemeClr>
+                </a:solidFill>
+                <a:latin typeface="Amasis MT Pro Black" panose="02040A04050005020304" pitchFamily="18" charset="0"/>
+              </a:rPr>
+              <a:t>PAGE 1</a:t>
+            </a:r>
+            <a:endParaRPr lang="en-GB" sz="3600" dirty="0">
+              <a:solidFill>
+                <a:schemeClr val="bg2">
+                  <a:lumMod val="25000"/>
+                </a:schemeClr>
+              </a:solidFill>
+              <a:latin typeface="Amasis MT Pro Black" panose="02040A04050005020304" pitchFamily="18" charset="0"/>
+            </a:endParaRPr>
+          </a:p>
+        </p:txBody>
+      </p:sp>
+      <p:sp>
+        <p:nvSpPr>
+          <p:cNvPr id="9" name="TextBox 8">
+            <a:extLst>
+              <a:ext uri="{FF2B5EF4-FFF2-40B4-BE49-F238E27FC236}">
+                <a16:creationId xmlns:a16="http://schemas.microsoft.com/office/drawing/2014/main" id="{DC55429C-8A23-C521-FF24-DAFBF0B26063}"/>
+              </a:ext>
+            </a:extLst>
+          </p:cNvPr>
+          <p:cNvSpPr txBox="1"/>
+          <p:nvPr/>
+        </p:nvSpPr>
+        <p:spPr>
+          <a:xfrm>
+            <a:off x="2503713" y="319314"/>
+            <a:ext cx="1901371" cy="646331"/>
+          </a:xfrm>
+          <a:prstGeom prst="rect">
+            <a:avLst/>
+          </a:prstGeom>
+          <a:noFill/>
+        </p:spPr>
+        <p:txBody>
+          <a:bodyPr wrap="square" rtlCol="0">
+            <a:spAutoFit/>
+          </a:bodyPr>
+          <a:lstStyle/>
+          <a:p>
+            <a:pPr algn="ctr"/>
+            <a:r>
+              <a:rPr lang="en-US" sz="3600" dirty="0">
+                <a:solidFill>
+                  <a:schemeClr val="bg1"/>
+                </a:solidFill>
+                <a:latin typeface="Amasis MT Pro Black" panose="02040A04050005020304" pitchFamily="18" charset="0"/>
+              </a:rPr>
+              <a:t>PAGE 2</a:t>
+            </a:r>
+            <a:endParaRPr lang="en-GB" sz="3600" dirty="0">
+              <a:solidFill>
+                <a:schemeClr val="bg1"/>
+              </a:solidFill>
+              <a:latin typeface="Amasis MT Pro Black" panose="02040A04050005020304" pitchFamily="18" charset="0"/>
+            </a:endParaRPr>
+          </a:p>
+        </p:txBody>
+      </p:sp>
+      <p:sp>
+        <p:nvSpPr>
+          <p:cNvPr id="10" name="TextBox 9">
+            <a:extLst>
+              <a:ext uri="{FF2B5EF4-FFF2-40B4-BE49-F238E27FC236}">
+                <a16:creationId xmlns:a16="http://schemas.microsoft.com/office/drawing/2014/main" id="{96AB6B33-AF80-E1A4-157D-A484AA2DDEE8}"/>
+              </a:ext>
+            </a:extLst>
+          </p:cNvPr>
+          <p:cNvSpPr txBox="1"/>
+          <p:nvPr/>
+        </p:nvSpPr>
+        <p:spPr>
+          <a:xfrm>
+            <a:off x="4804226" y="304801"/>
+            <a:ext cx="1901371" cy="646331"/>
+          </a:xfrm>
+          <a:prstGeom prst="rect">
+            <a:avLst/>
+          </a:prstGeom>
+          <a:noFill/>
+        </p:spPr>
+        <p:txBody>
+          <a:bodyPr wrap="square" rtlCol="0">
+            <a:spAutoFit/>
+          </a:bodyPr>
+          <a:lstStyle/>
+          <a:p>
+            <a:pPr algn="ctr"/>
+            <a:r>
+              <a:rPr lang="en-US" sz="3600" dirty="0">
+                <a:solidFill>
+                  <a:schemeClr val="bg2">
+                    <a:lumMod val="25000"/>
+                  </a:schemeClr>
+                </a:solidFill>
+                <a:latin typeface="Amasis MT Pro Black" panose="02040A04050005020304" pitchFamily="18" charset="0"/>
+              </a:rPr>
+              <a:t>PAGE 3</a:t>
+            </a:r>
+            <a:endParaRPr lang="en-GB" sz="3600" dirty="0">
+              <a:solidFill>
+                <a:schemeClr val="bg2">
+                  <a:lumMod val="25000"/>
+                </a:schemeClr>
+              </a:solidFill>
+              <a:latin typeface="Amasis MT Pro Black" panose="02040A04050005020304" pitchFamily="18" charset="0"/>
+            </a:endParaRPr>
+          </a:p>
+        </p:txBody>
+      </p:sp>
+      <p:sp>
+        <p:nvSpPr>
+          <p:cNvPr id="11" name="TextBox 10">
+            <a:extLst>
+              <a:ext uri="{FF2B5EF4-FFF2-40B4-BE49-F238E27FC236}">
+                <a16:creationId xmlns:a16="http://schemas.microsoft.com/office/drawing/2014/main" id="{A12CE6F1-7645-075E-3398-493D1A30C454}"/>
+              </a:ext>
+            </a:extLst>
+          </p:cNvPr>
+          <p:cNvSpPr txBox="1"/>
+          <p:nvPr/>
+        </p:nvSpPr>
+        <p:spPr>
+          <a:xfrm>
+            <a:off x="7104739" y="304801"/>
+            <a:ext cx="1901371" cy="646331"/>
+          </a:xfrm>
+          <a:prstGeom prst="rect">
+            <a:avLst/>
+          </a:prstGeom>
+          <a:noFill/>
+        </p:spPr>
+        <p:txBody>
+          <a:bodyPr wrap="square" rtlCol="0">
+            <a:spAutoFit/>
+          </a:bodyPr>
+          <a:lstStyle/>
+          <a:p>
+            <a:pPr algn="ctr"/>
+            <a:r>
+              <a:rPr lang="en-US" sz="3600" dirty="0">
+                <a:solidFill>
+                  <a:schemeClr val="bg2">
+                    <a:lumMod val="25000"/>
+                  </a:schemeClr>
+                </a:solidFill>
+                <a:latin typeface="Amasis MT Pro Black" panose="02040A04050005020304" pitchFamily="18" charset="0"/>
+              </a:rPr>
+              <a:t>PAGE 4</a:t>
+            </a:r>
+            <a:endParaRPr lang="en-GB" sz="3600" dirty="0">
+              <a:solidFill>
+                <a:schemeClr val="bg2">
+                  <a:lumMod val="25000"/>
+                </a:schemeClr>
+              </a:solidFill>
+              <a:latin typeface="Amasis MT Pro Black" panose="02040A04050005020304" pitchFamily="18" charset="0"/>
+            </a:endParaRPr>
+          </a:p>
+        </p:txBody>
+      </p:sp>
+      <p:sp>
+        <p:nvSpPr>
+          <p:cNvPr id="12" name="TextBox 11">
+            <a:extLst>
+              <a:ext uri="{FF2B5EF4-FFF2-40B4-BE49-F238E27FC236}">
+                <a16:creationId xmlns:a16="http://schemas.microsoft.com/office/drawing/2014/main" id="{1343E515-992A-91F4-A77C-C2DAC2BF1979}"/>
+              </a:ext>
+            </a:extLst>
+          </p:cNvPr>
+          <p:cNvSpPr txBox="1"/>
+          <p:nvPr/>
+        </p:nvSpPr>
+        <p:spPr>
+          <a:xfrm>
+            <a:off x="9405252" y="304801"/>
+            <a:ext cx="1901371" cy="646331"/>
+          </a:xfrm>
+          <a:prstGeom prst="rect">
+            <a:avLst/>
+          </a:prstGeom>
+          <a:noFill/>
+        </p:spPr>
+        <p:txBody>
+          <a:bodyPr wrap="square" rtlCol="0">
+            <a:spAutoFit/>
+          </a:bodyPr>
+          <a:lstStyle/>
+          <a:p>
+            <a:pPr algn="ctr"/>
+            <a:r>
+              <a:rPr lang="en-US" sz="3600" dirty="0">
+                <a:solidFill>
+                  <a:schemeClr val="bg2">
+                    <a:lumMod val="25000"/>
+                  </a:schemeClr>
+                </a:solidFill>
+                <a:latin typeface="Amasis MT Pro Black" panose="02040A04050005020304" pitchFamily="18" charset="0"/>
+              </a:rPr>
+              <a:t>PAGE 5</a:t>
+            </a:r>
+            <a:endParaRPr lang="en-GB" sz="3600" dirty="0">
+              <a:solidFill>
+                <a:schemeClr val="bg2">
+                  <a:lumMod val="25000"/>
+                </a:schemeClr>
+              </a:solidFill>
+              <a:latin typeface="Amasis MT Pro Black" panose="02040A04050005020304" pitchFamily="18" charset="0"/>
+            </a:endParaRPr>
+          </a:p>
+        </p:txBody>
+      </p:sp>
+    </p:spTree>
+    <p:extLst>
+      <p:ext uri="{BB962C8B-B14F-4D97-AF65-F5344CB8AC3E}">
+        <p14:creationId xmlns:p14="http://schemas.microsoft.com/office/powerpoint/2010/main" val="743532039"/>
+      </p:ext>
+    </p:extLst>
+  </p:cSld>
+  <p:clrMapOvr>
+    <a:masterClrMapping/>
+  </p:clrMapOvr>
+  <mc:AlternateContent xmlns:mc="http://schemas.openxmlformats.org/markup-compatibility/2006" xmlns:p159="http://schemas.microsoft.com/office/powerpoint/2015/09/main">
+    <mc:Choice Requires="p159">
+      <p:transition xmlns:p14="http://schemas.microsoft.com/office/powerpoint/2010/main" spd="slow" p14:dur="2000">
+        <p159:morph option="byObject"/>
+      </p:transition>
+    </mc:Choice>
+    <mc:Fallback xmlns="">
+      <p:transition spd="slow">
+        <p:fade/>
+      </p:transition>
+    </mc:Fallback>
+  </mc:AlternateContent>
+</p:sld>
+</file>
+
+<file path=ppt/slides/slide13.xml><?xml version="1.0" encoding="utf-8"?>
+<p:sld xmlns:a="http://schemas.openxmlformats.org/drawingml/2006/main" xmlns:r="http://schemas.openxmlformats.org/officeDocument/2006/relationships" xmlns:p="http://schemas.openxmlformats.org/presentationml/2006/main">
+  <p:cSld>
+    <p:bg>
+      <p:bgPr>
+        <a:solidFill>
+          <a:schemeClr val="tx1"/>
+        </a:solidFill>
+        <a:effectLst/>
+      </p:bgPr>
+    </p:bg>
+    <p:spTree>
+      <p:nvGrpSpPr>
+        <p:cNvPr id="1" name=""/>
+        <p:cNvGrpSpPr/>
+        <p:nvPr/>
+      </p:nvGrpSpPr>
+      <p:grpSpPr>
+        <a:xfrm>
+          <a:off x="0" y="0"/>
+          <a:ext cx="0" cy="0"/>
+          <a:chOff x="0" y="0"/>
+          <a:chExt cx="0" cy="0"/>
+        </a:xfrm>
+      </p:grpSpPr>
+      <p:sp>
+        <p:nvSpPr>
+          <p:cNvPr id="5" name="Rectangle: Rounded Corners 4">
+            <a:extLst>
+              <a:ext uri="{FF2B5EF4-FFF2-40B4-BE49-F238E27FC236}">
+                <a16:creationId xmlns:a16="http://schemas.microsoft.com/office/drawing/2014/main" id="{3906B4D7-ACFE-C2F6-1558-3DB36A4603EC}"/>
+              </a:ext>
+            </a:extLst>
+          </p:cNvPr>
+          <p:cNvSpPr/>
+          <p:nvPr/>
+        </p:nvSpPr>
+        <p:spPr>
+          <a:xfrm>
+            <a:off x="4564740" y="319314"/>
+            <a:ext cx="2380343" cy="928914"/>
+          </a:xfrm>
+          <a:prstGeom prst="roundRect">
+            <a:avLst/>
+          </a:prstGeom>
+          <a:solidFill>
+            <a:schemeClr val="accent2">
+              <a:lumMod val="60000"/>
+              <a:lumOff val="40000"/>
+            </a:schemeClr>
+          </a:solidFill>
+          <a:ln>
+            <a:noFill/>
+          </a:ln>
+        </p:spPr>
+        <p:style>
+          <a:lnRef idx="2">
+            <a:schemeClr val="accent1">
+              <a:shade val="15000"/>
+            </a:schemeClr>
+          </a:lnRef>
+          <a:fillRef idx="1">
+            <a:schemeClr val="accent1"/>
+          </a:fillRef>
+          <a:effectRef idx="0">
+            <a:schemeClr val="accent1"/>
+          </a:effectRef>
+          <a:fontRef idx="minor">
+            <a:schemeClr val="lt1"/>
+          </a:fontRef>
+        </p:style>
+        <p:txBody>
+          <a:bodyPr rtlCol="0" anchor="ctr"/>
+          <a:lstStyle/>
+          <a:p>
+            <a:pPr algn="ctr"/>
+            <a:endParaRPr lang="en-GB">
+              <a:solidFill>
+                <a:schemeClr val="bg2">
+                  <a:lumMod val="25000"/>
+                </a:schemeClr>
+              </a:solidFill>
+            </a:endParaRPr>
+          </a:p>
+        </p:txBody>
+      </p:sp>
+      <p:sp>
+        <p:nvSpPr>
+          <p:cNvPr id="4" name="Rectangle 3">
+            <a:extLst>
+              <a:ext uri="{FF2B5EF4-FFF2-40B4-BE49-F238E27FC236}">
+                <a16:creationId xmlns:a16="http://schemas.microsoft.com/office/drawing/2014/main" id="{E7CCF6FD-5C24-5619-95A3-A70D06377898}"/>
+              </a:ext>
+            </a:extLst>
+          </p:cNvPr>
+          <p:cNvSpPr/>
+          <p:nvPr/>
+        </p:nvSpPr>
+        <p:spPr>
+          <a:xfrm>
+            <a:off x="0" y="1074057"/>
+            <a:ext cx="12192000" cy="5783943"/>
+          </a:xfrm>
+          <a:prstGeom prst="rect">
+            <a:avLst/>
+          </a:prstGeom>
+          <a:solidFill>
+            <a:schemeClr val="accent2">
+              <a:lumMod val="60000"/>
+              <a:lumOff val="40000"/>
+            </a:schemeClr>
+          </a:solidFill>
+          <a:ln>
+            <a:noFill/>
+          </a:ln>
+        </p:spPr>
+        <p:style>
+          <a:lnRef idx="2">
+            <a:schemeClr val="accent1">
+              <a:shade val="15000"/>
+            </a:schemeClr>
+          </a:lnRef>
+          <a:fillRef idx="1">
+            <a:schemeClr val="accent1"/>
+          </a:fillRef>
+          <a:effectRef idx="0">
+            <a:schemeClr val="accent1"/>
+          </a:effectRef>
+          <a:fontRef idx="minor">
+            <a:schemeClr val="lt1"/>
+          </a:fontRef>
+        </p:style>
+        <p:txBody>
+          <a:bodyPr rtlCol="0" anchor="ctr"/>
+          <a:lstStyle/>
+          <a:p>
+            <a:pPr algn="ctr"/>
+            <a:endParaRPr lang="en-GB"/>
+          </a:p>
+        </p:txBody>
+      </p:sp>
+      <p:sp>
+        <p:nvSpPr>
+          <p:cNvPr id="6" name="TextBox 5">
+            <a:extLst>
+              <a:ext uri="{FF2B5EF4-FFF2-40B4-BE49-F238E27FC236}">
+                <a16:creationId xmlns:a16="http://schemas.microsoft.com/office/drawing/2014/main" id="{F64E40D0-2521-2B68-E1B5-FAF02B623087}"/>
+              </a:ext>
+            </a:extLst>
+          </p:cNvPr>
+          <p:cNvSpPr txBox="1"/>
+          <p:nvPr/>
+        </p:nvSpPr>
+        <p:spPr>
+          <a:xfrm>
+            <a:off x="101599" y="319314"/>
+            <a:ext cx="1901371" cy="646331"/>
+          </a:xfrm>
+          <a:prstGeom prst="rect">
+            <a:avLst/>
+          </a:prstGeom>
+          <a:noFill/>
+        </p:spPr>
+        <p:txBody>
+          <a:bodyPr wrap="square" rtlCol="0">
+            <a:spAutoFit/>
+          </a:bodyPr>
+          <a:lstStyle/>
+          <a:p>
+            <a:pPr algn="ctr"/>
+            <a:r>
+              <a:rPr lang="en-US" sz="3600" dirty="0">
+                <a:solidFill>
+                  <a:schemeClr val="bg2">
+                    <a:lumMod val="25000"/>
+                  </a:schemeClr>
+                </a:solidFill>
+                <a:latin typeface="Amasis MT Pro Black" panose="02040A04050005020304" pitchFamily="18" charset="0"/>
+              </a:rPr>
+              <a:t>PAGE 1</a:t>
+            </a:r>
+            <a:endParaRPr lang="en-GB" sz="3600" dirty="0">
+              <a:solidFill>
+                <a:schemeClr val="bg2">
+                  <a:lumMod val="25000"/>
+                </a:schemeClr>
+              </a:solidFill>
+              <a:latin typeface="Amasis MT Pro Black" panose="02040A04050005020304" pitchFamily="18" charset="0"/>
+            </a:endParaRPr>
+          </a:p>
+        </p:txBody>
+      </p:sp>
+      <p:sp>
+        <p:nvSpPr>
+          <p:cNvPr id="9" name="TextBox 8">
+            <a:extLst>
+              <a:ext uri="{FF2B5EF4-FFF2-40B4-BE49-F238E27FC236}">
+                <a16:creationId xmlns:a16="http://schemas.microsoft.com/office/drawing/2014/main" id="{DC55429C-8A23-C521-FF24-DAFBF0B26063}"/>
+              </a:ext>
+            </a:extLst>
+          </p:cNvPr>
+          <p:cNvSpPr txBox="1"/>
+          <p:nvPr/>
+        </p:nvSpPr>
+        <p:spPr>
+          <a:xfrm>
+            <a:off x="2503713" y="319314"/>
+            <a:ext cx="1901371" cy="646331"/>
+          </a:xfrm>
+          <a:prstGeom prst="rect">
+            <a:avLst/>
+          </a:prstGeom>
+          <a:noFill/>
+        </p:spPr>
+        <p:txBody>
+          <a:bodyPr wrap="square" rtlCol="0">
+            <a:spAutoFit/>
+          </a:bodyPr>
+          <a:lstStyle/>
+          <a:p>
+            <a:pPr algn="ctr"/>
+            <a:r>
+              <a:rPr lang="en-US" sz="3600" dirty="0">
+                <a:solidFill>
+                  <a:schemeClr val="bg2">
+                    <a:lumMod val="25000"/>
+                  </a:schemeClr>
+                </a:solidFill>
+                <a:latin typeface="Amasis MT Pro Black" panose="02040A04050005020304" pitchFamily="18" charset="0"/>
+              </a:rPr>
+              <a:t>PAGE 2</a:t>
+            </a:r>
+            <a:endParaRPr lang="en-GB" sz="3600" dirty="0">
+              <a:solidFill>
+                <a:schemeClr val="bg2">
+                  <a:lumMod val="25000"/>
+                </a:schemeClr>
+              </a:solidFill>
+              <a:latin typeface="Amasis MT Pro Black" panose="02040A04050005020304" pitchFamily="18" charset="0"/>
+            </a:endParaRPr>
+          </a:p>
+        </p:txBody>
+      </p:sp>
+      <p:sp>
+        <p:nvSpPr>
+          <p:cNvPr id="10" name="TextBox 9">
+            <a:extLst>
+              <a:ext uri="{FF2B5EF4-FFF2-40B4-BE49-F238E27FC236}">
+                <a16:creationId xmlns:a16="http://schemas.microsoft.com/office/drawing/2014/main" id="{96AB6B33-AF80-E1A4-157D-A484AA2DDEE8}"/>
+              </a:ext>
+            </a:extLst>
+          </p:cNvPr>
+          <p:cNvSpPr txBox="1"/>
+          <p:nvPr/>
+        </p:nvSpPr>
+        <p:spPr>
+          <a:xfrm>
+            <a:off x="4804226" y="304801"/>
+            <a:ext cx="1901371" cy="646331"/>
+          </a:xfrm>
+          <a:prstGeom prst="rect">
+            <a:avLst/>
+          </a:prstGeom>
+          <a:noFill/>
+        </p:spPr>
+        <p:txBody>
+          <a:bodyPr wrap="square" rtlCol="0">
+            <a:spAutoFit/>
+          </a:bodyPr>
+          <a:lstStyle/>
+          <a:p>
+            <a:pPr algn="ctr"/>
+            <a:r>
+              <a:rPr lang="en-US" sz="3600" dirty="0">
+                <a:solidFill>
+                  <a:schemeClr val="bg1"/>
+                </a:solidFill>
+                <a:latin typeface="Amasis MT Pro Black" panose="02040A04050005020304" pitchFamily="18" charset="0"/>
+              </a:rPr>
+              <a:t>PAGE 3</a:t>
+            </a:r>
+            <a:endParaRPr lang="en-GB" sz="3600" dirty="0">
+              <a:solidFill>
+                <a:schemeClr val="bg1"/>
+              </a:solidFill>
+              <a:latin typeface="Amasis MT Pro Black" panose="02040A04050005020304" pitchFamily="18" charset="0"/>
+            </a:endParaRPr>
+          </a:p>
+        </p:txBody>
+      </p:sp>
+      <p:sp>
+        <p:nvSpPr>
+          <p:cNvPr id="11" name="TextBox 10">
+            <a:extLst>
+              <a:ext uri="{FF2B5EF4-FFF2-40B4-BE49-F238E27FC236}">
+                <a16:creationId xmlns:a16="http://schemas.microsoft.com/office/drawing/2014/main" id="{A12CE6F1-7645-075E-3398-493D1A30C454}"/>
+              </a:ext>
+            </a:extLst>
+          </p:cNvPr>
+          <p:cNvSpPr txBox="1"/>
+          <p:nvPr/>
+        </p:nvSpPr>
+        <p:spPr>
+          <a:xfrm>
+            <a:off x="7104739" y="304801"/>
+            <a:ext cx="1901371" cy="646331"/>
+          </a:xfrm>
+          <a:prstGeom prst="rect">
+            <a:avLst/>
+          </a:prstGeom>
+          <a:noFill/>
+        </p:spPr>
+        <p:txBody>
+          <a:bodyPr wrap="square" rtlCol="0">
+            <a:spAutoFit/>
+          </a:bodyPr>
+          <a:lstStyle/>
+          <a:p>
+            <a:pPr algn="ctr"/>
+            <a:r>
+              <a:rPr lang="en-US" sz="3600" dirty="0">
+                <a:solidFill>
+                  <a:schemeClr val="bg2">
+                    <a:lumMod val="25000"/>
+                  </a:schemeClr>
+                </a:solidFill>
+                <a:latin typeface="Amasis MT Pro Black" panose="02040A04050005020304" pitchFamily="18" charset="0"/>
+              </a:rPr>
+              <a:t>PAGE 4</a:t>
+            </a:r>
+            <a:endParaRPr lang="en-GB" sz="3600" dirty="0">
+              <a:solidFill>
+                <a:schemeClr val="bg2">
+                  <a:lumMod val="25000"/>
+                </a:schemeClr>
+              </a:solidFill>
+              <a:latin typeface="Amasis MT Pro Black" panose="02040A04050005020304" pitchFamily="18" charset="0"/>
+            </a:endParaRPr>
+          </a:p>
+        </p:txBody>
+      </p:sp>
+      <p:sp>
+        <p:nvSpPr>
+          <p:cNvPr id="12" name="TextBox 11">
+            <a:extLst>
+              <a:ext uri="{FF2B5EF4-FFF2-40B4-BE49-F238E27FC236}">
+                <a16:creationId xmlns:a16="http://schemas.microsoft.com/office/drawing/2014/main" id="{1343E515-992A-91F4-A77C-C2DAC2BF1979}"/>
+              </a:ext>
+            </a:extLst>
+          </p:cNvPr>
+          <p:cNvSpPr txBox="1"/>
+          <p:nvPr/>
+        </p:nvSpPr>
+        <p:spPr>
+          <a:xfrm>
+            <a:off x="9405252" y="304801"/>
+            <a:ext cx="1901371" cy="646331"/>
+          </a:xfrm>
+          <a:prstGeom prst="rect">
+            <a:avLst/>
+          </a:prstGeom>
+          <a:noFill/>
+        </p:spPr>
+        <p:txBody>
+          <a:bodyPr wrap="square" rtlCol="0">
+            <a:spAutoFit/>
+          </a:bodyPr>
+          <a:lstStyle/>
+          <a:p>
+            <a:pPr algn="ctr"/>
+            <a:r>
+              <a:rPr lang="en-US" sz="3600" dirty="0">
+                <a:solidFill>
+                  <a:schemeClr val="bg2">
+                    <a:lumMod val="25000"/>
+                  </a:schemeClr>
+                </a:solidFill>
+                <a:latin typeface="Amasis MT Pro Black" panose="02040A04050005020304" pitchFamily="18" charset="0"/>
+              </a:rPr>
+              <a:t>PAGE 5</a:t>
+            </a:r>
+            <a:endParaRPr lang="en-GB" sz="3600" dirty="0">
+              <a:solidFill>
+                <a:schemeClr val="bg2">
+                  <a:lumMod val="25000"/>
+                </a:schemeClr>
+              </a:solidFill>
+              <a:latin typeface="Amasis MT Pro Black" panose="02040A04050005020304" pitchFamily="18" charset="0"/>
+            </a:endParaRPr>
+          </a:p>
+        </p:txBody>
+      </p:sp>
+    </p:spTree>
+    <p:extLst>
+      <p:ext uri="{BB962C8B-B14F-4D97-AF65-F5344CB8AC3E}">
+        <p14:creationId xmlns:p14="http://schemas.microsoft.com/office/powerpoint/2010/main" val="38330119"/>
+      </p:ext>
+    </p:extLst>
+  </p:cSld>
+  <p:clrMapOvr>
+    <a:masterClrMapping/>
+  </p:clrMapOvr>
+  <mc:AlternateContent xmlns:mc="http://schemas.openxmlformats.org/markup-compatibility/2006" xmlns:p159="http://schemas.microsoft.com/office/powerpoint/2015/09/main">
+    <mc:Choice Requires="p159">
+      <p:transition xmlns:p14="http://schemas.microsoft.com/office/powerpoint/2010/main" spd="slow" p14:dur="2000">
+        <p159:morph option="byObject"/>
+      </p:transition>
+    </mc:Choice>
+    <mc:Fallback xmlns="">
+      <p:transition spd="slow">
+        <p:fade/>
+      </p:transition>
+    </mc:Fallback>
+  </mc:AlternateContent>
+</p:sld>
+</file>
+
+<file path=ppt/slides/slide14.xml><?xml version="1.0" encoding="utf-8"?>
+<p:sld xmlns:a="http://schemas.openxmlformats.org/drawingml/2006/main" xmlns:r="http://schemas.openxmlformats.org/officeDocument/2006/relationships" xmlns:p="http://schemas.openxmlformats.org/presentationml/2006/main">
+  <p:cSld>
+    <p:bg>
+      <p:bgPr>
+        <a:solidFill>
+          <a:schemeClr val="tx1"/>
+        </a:solidFill>
+        <a:effectLst/>
+      </p:bgPr>
+    </p:bg>
+    <p:spTree>
+      <p:nvGrpSpPr>
+        <p:cNvPr id="1" name=""/>
+        <p:cNvGrpSpPr/>
+        <p:nvPr/>
+      </p:nvGrpSpPr>
+      <p:grpSpPr>
+        <a:xfrm>
+          <a:off x="0" y="0"/>
+          <a:ext cx="0" cy="0"/>
+          <a:chOff x="0" y="0"/>
+          <a:chExt cx="0" cy="0"/>
+        </a:xfrm>
+      </p:grpSpPr>
+      <p:sp>
+        <p:nvSpPr>
+          <p:cNvPr id="5" name="Rectangle: Rounded Corners 4">
+            <a:extLst>
+              <a:ext uri="{FF2B5EF4-FFF2-40B4-BE49-F238E27FC236}">
+                <a16:creationId xmlns:a16="http://schemas.microsoft.com/office/drawing/2014/main" id="{3906B4D7-ACFE-C2F6-1558-3DB36A4603EC}"/>
+              </a:ext>
+            </a:extLst>
+          </p:cNvPr>
+          <p:cNvSpPr/>
+          <p:nvPr/>
+        </p:nvSpPr>
+        <p:spPr>
+          <a:xfrm>
+            <a:off x="6865252" y="304801"/>
+            <a:ext cx="2380343" cy="928914"/>
+          </a:xfrm>
+          <a:prstGeom prst="roundRect">
+            <a:avLst/>
+          </a:prstGeom>
+          <a:solidFill>
+            <a:srgbClr val="FF7C80"/>
+          </a:solidFill>
+          <a:ln>
+            <a:noFill/>
+          </a:ln>
+        </p:spPr>
+        <p:style>
+          <a:lnRef idx="2">
+            <a:schemeClr val="accent1">
+              <a:shade val="15000"/>
+            </a:schemeClr>
+          </a:lnRef>
+          <a:fillRef idx="1">
+            <a:schemeClr val="accent1"/>
+          </a:fillRef>
+          <a:effectRef idx="0">
+            <a:schemeClr val="accent1"/>
+          </a:effectRef>
+          <a:fontRef idx="minor">
+            <a:schemeClr val="lt1"/>
+          </a:fontRef>
+        </p:style>
+        <p:txBody>
+          <a:bodyPr rtlCol="0" anchor="ctr"/>
+          <a:lstStyle/>
+          <a:p>
+            <a:pPr algn="ctr"/>
+            <a:endParaRPr lang="en-GB">
+              <a:solidFill>
+                <a:schemeClr val="bg2">
+                  <a:lumMod val="25000"/>
+                </a:schemeClr>
+              </a:solidFill>
+            </a:endParaRPr>
+          </a:p>
+        </p:txBody>
+      </p:sp>
+      <p:sp>
+        <p:nvSpPr>
+          <p:cNvPr id="4" name="Rectangle 3">
+            <a:extLst>
+              <a:ext uri="{FF2B5EF4-FFF2-40B4-BE49-F238E27FC236}">
+                <a16:creationId xmlns:a16="http://schemas.microsoft.com/office/drawing/2014/main" id="{E7CCF6FD-5C24-5619-95A3-A70D06377898}"/>
+              </a:ext>
+            </a:extLst>
+          </p:cNvPr>
+          <p:cNvSpPr/>
+          <p:nvPr/>
+        </p:nvSpPr>
+        <p:spPr>
+          <a:xfrm>
+            <a:off x="0" y="1074057"/>
+            <a:ext cx="12192000" cy="5783943"/>
+          </a:xfrm>
+          <a:prstGeom prst="rect">
+            <a:avLst/>
+          </a:prstGeom>
+          <a:solidFill>
+            <a:srgbClr val="FF7C80"/>
+          </a:solidFill>
+          <a:ln>
+            <a:noFill/>
+          </a:ln>
+        </p:spPr>
+        <p:style>
+          <a:lnRef idx="2">
+            <a:schemeClr val="accent1">
+              <a:shade val="15000"/>
+            </a:schemeClr>
+          </a:lnRef>
+          <a:fillRef idx="1">
+            <a:schemeClr val="accent1"/>
+          </a:fillRef>
+          <a:effectRef idx="0">
+            <a:schemeClr val="accent1"/>
+          </a:effectRef>
+          <a:fontRef idx="minor">
+            <a:schemeClr val="lt1"/>
+          </a:fontRef>
+        </p:style>
+        <p:txBody>
+          <a:bodyPr rtlCol="0" anchor="ctr"/>
+          <a:lstStyle/>
+          <a:p>
+            <a:pPr algn="ctr"/>
+            <a:endParaRPr lang="en-GB"/>
+          </a:p>
+        </p:txBody>
+      </p:sp>
+      <p:sp>
+        <p:nvSpPr>
+          <p:cNvPr id="6" name="TextBox 5">
+            <a:extLst>
+              <a:ext uri="{FF2B5EF4-FFF2-40B4-BE49-F238E27FC236}">
+                <a16:creationId xmlns:a16="http://schemas.microsoft.com/office/drawing/2014/main" id="{F64E40D0-2521-2B68-E1B5-FAF02B623087}"/>
+              </a:ext>
+            </a:extLst>
+          </p:cNvPr>
+          <p:cNvSpPr txBox="1"/>
+          <p:nvPr/>
+        </p:nvSpPr>
+        <p:spPr>
+          <a:xfrm>
+            <a:off x="101599" y="319314"/>
+            <a:ext cx="1901371" cy="646331"/>
+          </a:xfrm>
+          <a:prstGeom prst="rect">
+            <a:avLst/>
+          </a:prstGeom>
+          <a:noFill/>
+        </p:spPr>
+        <p:txBody>
+          <a:bodyPr wrap="square" rtlCol="0">
+            <a:spAutoFit/>
+          </a:bodyPr>
+          <a:lstStyle/>
+          <a:p>
+            <a:pPr algn="ctr"/>
+            <a:r>
+              <a:rPr lang="en-US" sz="3600" dirty="0">
+                <a:solidFill>
+                  <a:schemeClr val="bg2">
+                    <a:lumMod val="25000"/>
+                  </a:schemeClr>
+                </a:solidFill>
+                <a:latin typeface="Amasis MT Pro Black" panose="02040A04050005020304" pitchFamily="18" charset="0"/>
+              </a:rPr>
+              <a:t>PAGE 1</a:t>
+            </a:r>
+            <a:endParaRPr lang="en-GB" sz="3600" dirty="0">
+              <a:solidFill>
+                <a:schemeClr val="bg2">
+                  <a:lumMod val="25000"/>
+                </a:schemeClr>
+              </a:solidFill>
+              <a:latin typeface="Amasis MT Pro Black" panose="02040A04050005020304" pitchFamily="18" charset="0"/>
+            </a:endParaRPr>
+          </a:p>
+        </p:txBody>
+      </p:sp>
+      <p:sp>
+        <p:nvSpPr>
+          <p:cNvPr id="9" name="TextBox 8">
+            <a:extLst>
+              <a:ext uri="{FF2B5EF4-FFF2-40B4-BE49-F238E27FC236}">
+                <a16:creationId xmlns:a16="http://schemas.microsoft.com/office/drawing/2014/main" id="{DC55429C-8A23-C521-FF24-DAFBF0B26063}"/>
+              </a:ext>
+            </a:extLst>
+          </p:cNvPr>
+          <p:cNvSpPr txBox="1"/>
+          <p:nvPr/>
+        </p:nvSpPr>
+        <p:spPr>
+          <a:xfrm>
+            <a:off x="2503713" y="319314"/>
+            <a:ext cx="1901371" cy="646331"/>
+          </a:xfrm>
+          <a:prstGeom prst="rect">
+            <a:avLst/>
+          </a:prstGeom>
+          <a:noFill/>
+        </p:spPr>
+        <p:txBody>
+          <a:bodyPr wrap="square" rtlCol="0">
+            <a:spAutoFit/>
+          </a:bodyPr>
+          <a:lstStyle/>
+          <a:p>
+            <a:pPr algn="ctr"/>
+            <a:r>
+              <a:rPr lang="en-US" sz="3600" dirty="0">
+                <a:solidFill>
+                  <a:schemeClr val="bg2">
+                    <a:lumMod val="25000"/>
+                  </a:schemeClr>
+                </a:solidFill>
+                <a:latin typeface="Amasis MT Pro Black" panose="02040A04050005020304" pitchFamily="18" charset="0"/>
+              </a:rPr>
+              <a:t>PAGE 2</a:t>
+            </a:r>
+            <a:endParaRPr lang="en-GB" sz="3600" dirty="0">
+              <a:solidFill>
+                <a:schemeClr val="bg2">
+                  <a:lumMod val="25000"/>
+                </a:schemeClr>
+              </a:solidFill>
+              <a:latin typeface="Amasis MT Pro Black" panose="02040A04050005020304" pitchFamily="18" charset="0"/>
+            </a:endParaRPr>
+          </a:p>
+        </p:txBody>
+      </p:sp>
+      <p:sp>
+        <p:nvSpPr>
+          <p:cNvPr id="10" name="TextBox 9">
+            <a:extLst>
+              <a:ext uri="{FF2B5EF4-FFF2-40B4-BE49-F238E27FC236}">
+                <a16:creationId xmlns:a16="http://schemas.microsoft.com/office/drawing/2014/main" id="{96AB6B33-AF80-E1A4-157D-A484AA2DDEE8}"/>
+              </a:ext>
+            </a:extLst>
+          </p:cNvPr>
+          <p:cNvSpPr txBox="1"/>
+          <p:nvPr/>
+        </p:nvSpPr>
+        <p:spPr>
+          <a:xfrm>
+            <a:off x="4804226" y="304801"/>
+            <a:ext cx="1901371" cy="646331"/>
+          </a:xfrm>
+          <a:prstGeom prst="rect">
+            <a:avLst/>
+          </a:prstGeom>
+          <a:noFill/>
+        </p:spPr>
+        <p:txBody>
+          <a:bodyPr wrap="square" rtlCol="0">
+            <a:spAutoFit/>
+          </a:bodyPr>
+          <a:lstStyle/>
+          <a:p>
+            <a:pPr algn="ctr"/>
+            <a:r>
+              <a:rPr lang="en-US" sz="3600" dirty="0">
+                <a:solidFill>
+                  <a:schemeClr val="bg2">
+                    <a:lumMod val="25000"/>
+                  </a:schemeClr>
+                </a:solidFill>
+                <a:latin typeface="Amasis MT Pro Black" panose="02040A04050005020304" pitchFamily="18" charset="0"/>
+              </a:rPr>
+              <a:t>PAGE 3</a:t>
+            </a:r>
+            <a:endParaRPr lang="en-GB" sz="3600" dirty="0">
+              <a:solidFill>
+                <a:schemeClr val="bg2">
+                  <a:lumMod val="25000"/>
+                </a:schemeClr>
+              </a:solidFill>
+              <a:latin typeface="Amasis MT Pro Black" panose="02040A04050005020304" pitchFamily="18" charset="0"/>
+            </a:endParaRPr>
+          </a:p>
+        </p:txBody>
+      </p:sp>
+      <p:sp>
+        <p:nvSpPr>
+          <p:cNvPr id="11" name="TextBox 10">
+            <a:extLst>
+              <a:ext uri="{FF2B5EF4-FFF2-40B4-BE49-F238E27FC236}">
+                <a16:creationId xmlns:a16="http://schemas.microsoft.com/office/drawing/2014/main" id="{A12CE6F1-7645-075E-3398-493D1A30C454}"/>
+              </a:ext>
+            </a:extLst>
+          </p:cNvPr>
+          <p:cNvSpPr txBox="1"/>
+          <p:nvPr/>
+        </p:nvSpPr>
+        <p:spPr>
+          <a:xfrm>
+            <a:off x="7104739" y="304801"/>
+            <a:ext cx="1901371" cy="646331"/>
+          </a:xfrm>
+          <a:prstGeom prst="rect">
+            <a:avLst/>
+          </a:prstGeom>
+          <a:noFill/>
+        </p:spPr>
+        <p:txBody>
+          <a:bodyPr wrap="square" rtlCol="0">
+            <a:spAutoFit/>
+          </a:bodyPr>
+          <a:lstStyle/>
+          <a:p>
+            <a:pPr algn="ctr"/>
+            <a:r>
+              <a:rPr lang="en-US" sz="3600" dirty="0">
+                <a:solidFill>
+                  <a:schemeClr val="bg1"/>
+                </a:solidFill>
+                <a:latin typeface="Amasis MT Pro Black" panose="02040A04050005020304" pitchFamily="18" charset="0"/>
+              </a:rPr>
+              <a:t>PAGE 4</a:t>
+            </a:r>
+            <a:endParaRPr lang="en-GB" sz="3600" dirty="0">
+              <a:solidFill>
+                <a:schemeClr val="bg1"/>
+              </a:solidFill>
+              <a:latin typeface="Amasis MT Pro Black" panose="02040A04050005020304" pitchFamily="18" charset="0"/>
+            </a:endParaRPr>
+          </a:p>
+        </p:txBody>
+      </p:sp>
+      <p:sp>
+        <p:nvSpPr>
+          <p:cNvPr id="12" name="TextBox 11">
+            <a:extLst>
+              <a:ext uri="{FF2B5EF4-FFF2-40B4-BE49-F238E27FC236}">
+                <a16:creationId xmlns:a16="http://schemas.microsoft.com/office/drawing/2014/main" id="{1343E515-992A-91F4-A77C-C2DAC2BF1979}"/>
+              </a:ext>
+            </a:extLst>
+          </p:cNvPr>
+          <p:cNvSpPr txBox="1"/>
+          <p:nvPr/>
+        </p:nvSpPr>
+        <p:spPr>
+          <a:xfrm>
+            <a:off x="9405252" y="304801"/>
+            <a:ext cx="1901371" cy="646331"/>
+          </a:xfrm>
+          <a:prstGeom prst="rect">
+            <a:avLst/>
+          </a:prstGeom>
+          <a:noFill/>
+        </p:spPr>
+        <p:txBody>
+          <a:bodyPr wrap="square" rtlCol="0">
+            <a:spAutoFit/>
+          </a:bodyPr>
+          <a:lstStyle/>
+          <a:p>
+            <a:pPr algn="ctr"/>
+            <a:r>
+              <a:rPr lang="en-US" sz="3600" dirty="0">
+                <a:solidFill>
+                  <a:schemeClr val="bg2">
+                    <a:lumMod val="25000"/>
+                  </a:schemeClr>
+                </a:solidFill>
+                <a:latin typeface="Amasis MT Pro Black" panose="02040A04050005020304" pitchFamily="18" charset="0"/>
+              </a:rPr>
+              <a:t>PAGE 5</a:t>
+            </a:r>
+            <a:endParaRPr lang="en-GB" sz="3600" dirty="0">
+              <a:solidFill>
+                <a:schemeClr val="bg2">
+                  <a:lumMod val="25000"/>
+                </a:schemeClr>
+              </a:solidFill>
+              <a:latin typeface="Amasis MT Pro Black" panose="02040A04050005020304" pitchFamily="18" charset="0"/>
+            </a:endParaRPr>
+          </a:p>
+        </p:txBody>
+      </p:sp>
+    </p:spTree>
+    <p:extLst>
+      <p:ext uri="{BB962C8B-B14F-4D97-AF65-F5344CB8AC3E}">
+        <p14:creationId xmlns:p14="http://schemas.microsoft.com/office/powerpoint/2010/main" val="1609869095"/>
+      </p:ext>
+    </p:extLst>
+  </p:cSld>
+  <p:clrMapOvr>
+    <a:masterClrMapping/>
+  </p:clrMapOvr>
+  <mc:AlternateContent xmlns:mc="http://schemas.openxmlformats.org/markup-compatibility/2006" xmlns:p159="http://schemas.microsoft.com/office/powerpoint/2015/09/main">
+    <mc:Choice Requires="p159">
+      <p:transition xmlns:p14="http://schemas.microsoft.com/office/powerpoint/2010/main" spd="slow" p14:dur="2000">
+        <p159:morph option="byObject"/>
+      </p:transition>
+    </mc:Choice>
+    <mc:Fallback xmlns="">
+      <p:transition spd="slow">
+        <p:fade/>
+      </p:transition>
+    </mc:Fallback>
+  </mc:AlternateContent>
+</p:sld>
+</file>
+
+<file path=ppt/slides/slide15.xml><?xml version="1.0" encoding="utf-8"?>
+<p:sld xmlns:a="http://schemas.openxmlformats.org/drawingml/2006/main" xmlns:r="http://schemas.openxmlformats.org/officeDocument/2006/relationships" xmlns:p="http://schemas.openxmlformats.org/presentationml/2006/main">
+  <p:cSld>
+    <p:bg>
+      <p:bgPr>
+        <a:solidFill>
+          <a:schemeClr val="tx1"/>
+        </a:solidFill>
+        <a:effectLst/>
+      </p:bgPr>
+    </p:bg>
+    <p:spTree>
+      <p:nvGrpSpPr>
+        <p:cNvPr id="1" name=""/>
+        <p:cNvGrpSpPr/>
+        <p:nvPr/>
+      </p:nvGrpSpPr>
+      <p:grpSpPr>
+        <a:xfrm>
+          <a:off x="0" y="0"/>
+          <a:ext cx="0" cy="0"/>
+          <a:chOff x="0" y="0"/>
+          <a:chExt cx="0" cy="0"/>
+        </a:xfrm>
+      </p:grpSpPr>
+      <p:sp>
+        <p:nvSpPr>
+          <p:cNvPr id="5" name="Rectangle: Rounded Corners 4">
+            <a:extLst>
+              <a:ext uri="{FF2B5EF4-FFF2-40B4-BE49-F238E27FC236}">
+                <a16:creationId xmlns:a16="http://schemas.microsoft.com/office/drawing/2014/main" id="{3906B4D7-ACFE-C2F6-1558-3DB36A4603EC}"/>
+              </a:ext>
+            </a:extLst>
+          </p:cNvPr>
+          <p:cNvSpPr/>
+          <p:nvPr/>
+        </p:nvSpPr>
+        <p:spPr>
+          <a:xfrm>
+            <a:off x="9165765" y="319314"/>
+            <a:ext cx="2380343" cy="928914"/>
+          </a:xfrm>
+          <a:prstGeom prst="roundRect">
+            <a:avLst/>
+          </a:prstGeom>
+          <a:solidFill>
+            <a:srgbClr val="FF6600"/>
+          </a:solidFill>
+          <a:ln>
+            <a:noFill/>
+          </a:ln>
+        </p:spPr>
+        <p:style>
+          <a:lnRef idx="2">
+            <a:schemeClr val="accent1">
+              <a:shade val="15000"/>
+            </a:schemeClr>
+          </a:lnRef>
+          <a:fillRef idx="1">
+            <a:schemeClr val="accent1"/>
+          </a:fillRef>
+          <a:effectRef idx="0">
+            <a:schemeClr val="accent1"/>
+          </a:effectRef>
+          <a:fontRef idx="minor">
+            <a:schemeClr val="lt1"/>
+          </a:fontRef>
+        </p:style>
+        <p:txBody>
+          <a:bodyPr rtlCol="0" anchor="ctr"/>
+          <a:lstStyle/>
+          <a:p>
+            <a:pPr algn="ctr"/>
+            <a:endParaRPr lang="en-GB">
+              <a:solidFill>
+                <a:schemeClr val="bg2">
+                  <a:lumMod val="25000"/>
+                </a:schemeClr>
+              </a:solidFill>
+            </a:endParaRPr>
+          </a:p>
+        </p:txBody>
+      </p:sp>
+      <p:sp>
+        <p:nvSpPr>
+          <p:cNvPr id="4" name="Rectangle 3">
+            <a:extLst>
+              <a:ext uri="{FF2B5EF4-FFF2-40B4-BE49-F238E27FC236}">
+                <a16:creationId xmlns:a16="http://schemas.microsoft.com/office/drawing/2014/main" id="{E7CCF6FD-5C24-5619-95A3-A70D06377898}"/>
+              </a:ext>
+            </a:extLst>
+          </p:cNvPr>
+          <p:cNvSpPr/>
+          <p:nvPr/>
+        </p:nvSpPr>
+        <p:spPr>
+          <a:xfrm>
+            <a:off x="0" y="1074057"/>
+            <a:ext cx="12192000" cy="5783943"/>
+          </a:xfrm>
+          <a:prstGeom prst="rect">
+            <a:avLst/>
+          </a:prstGeom>
+          <a:solidFill>
+            <a:srgbClr val="FF6600"/>
+          </a:solidFill>
+          <a:ln>
+            <a:noFill/>
+          </a:ln>
+        </p:spPr>
+        <p:style>
+          <a:lnRef idx="2">
+            <a:schemeClr val="accent1">
+              <a:shade val="15000"/>
+            </a:schemeClr>
+          </a:lnRef>
+          <a:fillRef idx="1">
+            <a:schemeClr val="accent1"/>
+          </a:fillRef>
+          <a:effectRef idx="0">
+            <a:schemeClr val="accent1"/>
+          </a:effectRef>
+          <a:fontRef idx="minor">
+            <a:schemeClr val="lt1"/>
+          </a:fontRef>
+        </p:style>
+        <p:txBody>
+          <a:bodyPr rtlCol="0" anchor="ctr"/>
+          <a:lstStyle/>
+          <a:p>
+            <a:pPr algn="ctr"/>
+            <a:endParaRPr lang="en-GB"/>
+          </a:p>
+        </p:txBody>
+      </p:sp>
+      <p:sp>
+        <p:nvSpPr>
+          <p:cNvPr id="6" name="TextBox 5">
+            <a:extLst>
+              <a:ext uri="{FF2B5EF4-FFF2-40B4-BE49-F238E27FC236}">
+                <a16:creationId xmlns:a16="http://schemas.microsoft.com/office/drawing/2014/main" id="{F64E40D0-2521-2B68-E1B5-FAF02B623087}"/>
+              </a:ext>
+            </a:extLst>
+          </p:cNvPr>
+          <p:cNvSpPr txBox="1"/>
+          <p:nvPr/>
+        </p:nvSpPr>
+        <p:spPr>
+          <a:xfrm>
+            <a:off x="101599" y="319314"/>
+            <a:ext cx="1901371" cy="646331"/>
+          </a:xfrm>
+          <a:prstGeom prst="rect">
+            <a:avLst/>
+          </a:prstGeom>
+          <a:noFill/>
+        </p:spPr>
+        <p:txBody>
+          <a:bodyPr wrap="square" rtlCol="0">
+            <a:spAutoFit/>
+          </a:bodyPr>
+          <a:lstStyle/>
+          <a:p>
+            <a:pPr algn="ctr"/>
+            <a:r>
+              <a:rPr lang="en-US" sz="3600" dirty="0">
+                <a:solidFill>
+                  <a:schemeClr val="bg2">
+                    <a:lumMod val="25000"/>
+                  </a:schemeClr>
+                </a:solidFill>
+                <a:latin typeface="Amasis MT Pro Black" panose="02040A04050005020304" pitchFamily="18" charset="0"/>
+              </a:rPr>
+              <a:t>PAGE 1</a:t>
+            </a:r>
+            <a:endParaRPr lang="en-GB" sz="3600" dirty="0">
+              <a:solidFill>
+                <a:schemeClr val="bg2">
+                  <a:lumMod val="25000"/>
+                </a:schemeClr>
+              </a:solidFill>
+              <a:latin typeface="Amasis MT Pro Black" panose="02040A04050005020304" pitchFamily="18" charset="0"/>
+            </a:endParaRPr>
+          </a:p>
+        </p:txBody>
+      </p:sp>
+      <p:sp>
+        <p:nvSpPr>
+          <p:cNvPr id="9" name="TextBox 8">
+            <a:extLst>
+              <a:ext uri="{FF2B5EF4-FFF2-40B4-BE49-F238E27FC236}">
+                <a16:creationId xmlns:a16="http://schemas.microsoft.com/office/drawing/2014/main" id="{DC55429C-8A23-C521-FF24-DAFBF0B26063}"/>
+              </a:ext>
+            </a:extLst>
+          </p:cNvPr>
+          <p:cNvSpPr txBox="1"/>
+          <p:nvPr/>
+        </p:nvSpPr>
+        <p:spPr>
+          <a:xfrm>
+            <a:off x="2503713" y="319314"/>
+            <a:ext cx="1901371" cy="646331"/>
+          </a:xfrm>
+          <a:prstGeom prst="rect">
+            <a:avLst/>
+          </a:prstGeom>
+          <a:noFill/>
+        </p:spPr>
+        <p:txBody>
+          <a:bodyPr wrap="square" rtlCol="0">
+            <a:spAutoFit/>
+          </a:bodyPr>
+          <a:lstStyle/>
+          <a:p>
+            <a:pPr algn="ctr"/>
+            <a:r>
+              <a:rPr lang="en-US" sz="3600" dirty="0">
+                <a:solidFill>
+                  <a:schemeClr val="bg2">
+                    <a:lumMod val="25000"/>
+                  </a:schemeClr>
+                </a:solidFill>
+                <a:latin typeface="Amasis MT Pro Black" panose="02040A04050005020304" pitchFamily="18" charset="0"/>
+              </a:rPr>
+              <a:t>PAGE 2</a:t>
+            </a:r>
+            <a:endParaRPr lang="en-GB" sz="3600" dirty="0">
+              <a:solidFill>
+                <a:schemeClr val="bg2">
+                  <a:lumMod val="25000"/>
+                </a:schemeClr>
+              </a:solidFill>
+              <a:latin typeface="Amasis MT Pro Black" panose="02040A04050005020304" pitchFamily="18" charset="0"/>
+            </a:endParaRPr>
+          </a:p>
+        </p:txBody>
+      </p:sp>
+      <p:sp>
+        <p:nvSpPr>
+          <p:cNvPr id="10" name="TextBox 9">
+            <a:extLst>
+              <a:ext uri="{FF2B5EF4-FFF2-40B4-BE49-F238E27FC236}">
+                <a16:creationId xmlns:a16="http://schemas.microsoft.com/office/drawing/2014/main" id="{96AB6B33-AF80-E1A4-157D-A484AA2DDEE8}"/>
+              </a:ext>
+            </a:extLst>
+          </p:cNvPr>
+          <p:cNvSpPr txBox="1"/>
+          <p:nvPr/>
+        </p:nvSpPr>
+        <p:spPr>
+          <a:xfrm>
+            <a:off x="4804226" y="304801"/>
+            <a:ext cx="1901371" cy="646331"/>
+          </a:xfrm>
+          <a:prstGeom prst="rect">
+            <a:avLst/>
+          </a:prstGeom>
+          <a:noFill/>
+        </p:spPr>
+        <p:txBody>
+          <a:bodyPr wrap="square" rtlCol="0">
+            <a:spAutoFit/>
+          </a:bodyPr>
+          <a:lstStyle/>
+          <a:p>
+            <a:pPr algn="ctr"/>
+            <a:r>
+              <a:rPr lang="en-US" sz="3600" dirty="0">
+                <a:solidFill>
+                  <a:schemeClr val="bg2">
+                    <a:lumMod val="25000"/>
+                  </a:schemeClr>
+                </a:solidFill>
+                <a:latin typeface="Amasis MT Pro Black" panose="02040A04050005020304" pitchFamily="18" charset="0"/>
+              </a:rPr>
+              <a:t>PAGE 3</a:t>
+            </a:r>
+            <a:endParaRPr lang="en-GB" sz="3600" dirty="0">
+              <a:solidFill>
+                <a:schemeClr val="bg2">
+                  <a:lumMod val="25000"/>
+                </a:schemeClr>
+              </a:solidFill>
+              <a:latin typeface="Amasis MT Pro Black" panose="02040A04050005020304" pitchFamily="18" charset="0"/>
+            </a:endParaRPr>
+          </a:p>
+        </p:txBody>
+      </p:sp>
+      <p:sp>
+        <p:nvSpPr>
+          <p:cNvPr id="11" name="TextBox 10">
+            <a:extLst>
+              <a:ext uri="{FF2B5EF4-FFF2-40B4-BE49-F238E27FC236}">
+                <a16:creationId xmlns:a16="http://schemas.microsoft.com/office/drawing/2014/main" id="{A12CE6F1-7645-075E-3398-493D1A30C454}"/>
+              </a:ext>
+            </a:extLst>
+          </p:cNvPr>
+          <p:cNvSpPr txBox="1"/>
+          <p:nvPr/>
+        </p:nvSpPr>
+        <p:spPr>
+          <a:xfrm>
+            <a:off x="7104739" y="304801"/>
+            <a:ext cx="1901371" cy="646331"/>
+          </a:xfrm>
+          <a:prstGeom prst="rect">
+            <a:avLst/>
+          </a:prstGeom>
+          <a:noFill/>
+        </p:spPr>
+        <p:txBody>
+          <a:bodyPr wrap="square" rtlCol="0">
+            <a:spAutoFit/>
+          </a:bodyPr>
+          <a:lstStyle/>
+          <a:p>
+            <a:pPr algn="ctr"/>
+            <a:r>
+              <a:rPr lang="en-US" sz="3600" dirty="0">
+                <a:solidFill>
+                  <a:schemeClr val="bg2">
+                    <a:lumMod val="25000"/>
+                  </a:schemeClr>
+                </a:solidFill>
+                <a:latin typeface="Amasis MT Pro Black" panose="02040A04050005020304" pitchFamily="18" charset="0"/>
+              </a:rPr>
+              <a:t>PAGE 4</a:t>
+            </a:r>
+            <a:endParaRPr lang="en-GB" sz="3600" dirty="0">
+              <a:solidFill>
+                <a:schemeClr val="bg2">
+                  <a:lumMod val="25000"/>
+                </a:schemeClr>
+              </a:solidFill>
+              <a:latin typeface="Amasis MT Pro Black" panose="02040A04050005020304" pitchFamily="18" charset="0"/>
+            </a:endParaRPr>
+          </a:p>
+        </p:txBody>
+      </p:sp>
+      <p:sp>
+        <p:nvSpPr>
+          <p:cNvPr id="12" name="TextBox 11">
+            <a:extLst>
+              <a:ext uri="{FF2B5EF4-FFF2-40B4-BE49-F238E27FC236}">
+                <a16:creationId xmlns:a16="http://schemas.microsoft.com/office/drawing/2014/main" id="{1343E515-992A-91F4-A77C-C2DAC2BF1979}"/>
+              </a:ext>
+            </a:extLst>
+          </p:cNvPr>
+          <p:cNvSpPr txBox="1"/>
+          <p:nvPr/>
+        </p:nvSpPr>
+        <p:spPr>
+          <a:xfrm>
+            <a:off x="9405252" y="304801"/>
+            <a:ext cx="1901371" cy="646331"/>
+          </a:xfrm>
+          <a:prstGeom prst="rect">
+            <a:avLst/>
+          </a:prstGeom>
+          <a:noFill/>
+        </p:spPr>
+        <p:txBody>
+          <a:bodyPr wrap="square" rtlCol="0">
+            <a:spAutoFit/>
+          </a:bodyPr>
+          <a:lstStyle/>
+          <a:p>
+            <a:pPr algn="ctr"/>
+            <a:r>
+              <a:rPr lang="en-US" sz="3600" dirty="0">
+                <a:solidFill>
+                  <a:schemeClr val="bg1">
+                    <a:lumMod val="95000"/>
+                  </a:schemeClr>
+                </a:solidFill>
+                <a:latin typeface="Amasis MT Pro Black" panose="02040A04050005020304" pitchFamily="18" charset="0"/>
+              </a:rPr>
+              <a:t>PAGE 5</a:t>
+            </a:r>
+            <a:endParaRPr lang="en-GB" sz="3600" dirty="0">
+              <a:solidFill>
+                <a:schemeClr val="bg1">
+                  <a:lumMod val="95000"/>
+                </a:schemeClr>
+              </a:solidFill>
+              <a:latin typeface="Amasis MT Pro Black" panose="02040A04050005020304" pitchFamily="18" charset="0"/>
+            </a:endParaRPr>
+          </a:p>
+        </p:txBody>
+      </p:sp>
+    </p:spTree>
+    <p:extLst>
+      <p:ext uri="{BB962C8B-B14F-4D97-AF65-F5344CB8AC3E}">
+        <p14:creationId xmlns:p14="http://schemas.microsoft.com/office/powerpoint/2010/main" val="3053079927"/>
+      </p:ext>
+    </p:extLst>
+  </p:cSld>
+  <p:clrMapOvr>
+    <a:masterClrMapping/>
+  </p:clrMapOvr>
+  <mc:AlternateContent xmlns:mc="http://schemas.openxmlformats.org/markup-compatibility/2006" xmlns:p159="http://schemas.microsoft.com/office/powerpoint/2015/09/main">
+    <mc:Choice Requires="p159">
+      <p:transition xmlns:p14="http://schemas.microsoft.com/office/powerpoint/2010/main" spd="slow" p14:dur="2000">
+        <p159:morph option="byObject"/>
+      </p:transition>
+    </mc:Choice>
+    <mc:Fallback xmlns="">
+      <p:transition spd="slow">
+        <p:fade/>
+      </p:transition>
+    </mc:Fallback>
+  </mc:AlternateContent>
+</p:sld>
+</file>
+
+<file path=ppt/slides/slide16.xml><?xml version="1.0" encoding="utf-8"?>
+<p:sld xmlns:a="http://schemas.openxmlformats.org/drawingml/2006/main" xmlns:r="http://schemas.openxmlformats.org/officeDocument/2006/relationships" xmlns:p="http://schemas.openxmlformats.org/presentationml/2006/main">
+  <p:cSld>
+    <p:bg>
+      <p:bgPr>
+        <a:blipFill dpi="0" rotWithShape="1">
+          <a:blip r:embed="rId2">
+            <a:lum/>
+          </a:blip>
+          <a:srcRect/>
+          <a:stretch>
+            <a:fillRect t="-9000" b="-9000"/>
+          </a:stretch>
+        </a:blipFill>
+        <a:effectLst/>
+      </p:bgPr>
+    </p:bg>
+    <p:spTree>
+      <p:nvGrpSpPr>
+        <p:cNvPr id="1" name=""/>
+        <p:cNvGrpSpPr/>
+        <p:nvPr/>
+      </p:nvGrpSpPr>
+      <p:grpSpPr>
+        <a:xfrm>
+          <a:off x="0" y="0"/>
+          <a:ext cx="0" cy="0"/>
+          <a:chOff x="0" y="0"/>
+          <a:chExt cx="0" cy="0"/>
+        </a:xfrm>
+      </p:grpSpPr>
+      <p:sp useBgFill="1">
+        <p:nvSpPr>
+          <p:cNvPr id="11" name="Rectangle: Rounded Corners 10">
+            <a:extLst>
+              <a:ext uri="{FF2B5EF4-FFF2-40B4-BE49-F238E27FC236}">
+                <a16:creationId xmlns:a16="http://schemas.microsoft.com/office/drawing/2014/main" id="{9F6A41EF-73AC-6F42-7F92-5CFD3603E20F}"/>
+              </a:ext>
+            </a:extLst>
+          </p:cNvPr>
+          <p:cNvSpPr/>
+          <p:nvPr/>
+        </p:nvSpPr>
+        <p:spPr>
+          <a:xfrm>
+            <a:off x="6415313" y="1654628"/>
+            <a:ext cx="1248229" cy="4920343"/>
+          </a:xfrm>
+          <a:prstGeom prst="roundRect">
+            <a:avLst>
+              <a:gd name="adj" fmla="val 50000"/>
+            </a:avLst>
+          </a:prstGeom>
+          <a:ln>
+            <a:noFill/>
+          </a:ln>
+          <a:effectLst>
+            <a:outerShdw blurRad="1270000" dist="76200" dir="5400000" sx="118000" sy="118000" algn="ctr" rotWithShape="0">
+              <a:srgbClr val="000000">
+                <a:alpha val="52000"/>
+              </a:srgbClr>
+            </a:outerShdw>
+          </a:effectLst>
+        </p:spPr>
+        <p:style>
+          <a:lnRef idx="2">
+            <a:schemeClr val="accent1">
+              <a:shade val="15000"/>
+            </a:schemeClr>
+          </a:lnRef>
+          <a:fillRef idx="1">
+            <a:schemeClr val="accent1"/>
+          </a:fillRef>
+          <a:effectRef idx="0">
+            <a:schemeClr val="accent1"/>
+          </a:effectRef>
+          <a:fontRef idx="minor">
+            <a:schemeClr val="lt1"/>
+          </a:fontRef>
+        </p:style>
+        <p:txBody>
+          <a:bodyPr rtlCol="0" anchor="ctr"/>
+          <a:lstStyle/>
+          <a:p>
+            <a:pPr algn="ctr"/>
+            <a:endParaRPr lang="en-GB"/>
+          </a:p>
+        </p:txBody>
+      </p:sp>
+      <p:sp useBgFill="1">
+        <p:nvSpPr>
+          <p:cNvPr id="12" name="Rectangle: Rounded Corners 11">
+            <a:extLst>
+              <a:ext uri="{FF2B5EF4-FFF2-40B4-BE49-F238E27FC236}">
+                <a16:creationId xmlns:a16="http://schemas.microsoft.com/office/drawing/2014/main" id="{DD608682-1EEF-6359-20BE-051ABB8C908C}"/>
+              </a:ext>
+            </a:extLst>
+          </p:cNvPr>
+          <p:cNvSpPr/>
+          <p:nvPr/>
+        </p:nvSpPr>
+        <p:spPr>
+          <a:xfrm>
+            <a:off x="9216571" y="667657"/>
+            <a:ext cx="1248229" cy="5907314"/>
+          </a:xfrm>
+          <a:prstGeom prst="roundRect">
+            <a:avLst>
+              <a:gd name="adj" fmla="val 50000"/>
+            </a:avLst>
+          </a:prstGeom>
+          <a:ln>
+            <a:noFill/>
+          </a:ln>
+          <a:effectLst>
+            <a:outerShdw blurRad="1270000" dist="76200" dir="5400000" sx="118000" sy="118000" algn="ctr" rotWithShape="0">
+              <a:srgbClr val="000000">
+                <a:alpha val="52000"/>
+              </a:srgbClr>
+            </a:outerShdw>
+          </a:effectLst>
+        </p:spPr>
+        <p:style>
+          <a:lnRef idx="2">
+            <a:schemeClr val="accent1">
+              <a:shade val="15000"/>
+            </a:schemeClr>
+          </a:lnRef>
+          <a:fillRef idx="1">
+            <a:schemeClr val="accent1"/>
+          </a:fillRef>
+          <a:effectRef idx="0">
+            <a:schemeClr val="accent1"/>
+          </a:effectRef>
+          <a:fontRef idx="minor">
+            <a:schemeClr val="lt1"/>
+          </a:fontRef>
+        </p:style>
+        <p:txBody>
+          <a:bodyPr rtlCol="0" anchor="ctr"/>
+          <a:lstStyle/>
+          <a:p>
+            <a:pPr algn="ctr"/>
+            <a:endParaRPr lang="en-GB"/>
+          </a:p>
+        </p:txBody>
+      </p:sp>
+      <p:sp useBgFill="1">
+        <p:nvSpPr>
+          <p:cNvPr id="13" name="Rectangle: Rounded Corners 12">
+            <a:extLst>
+              <a:ext uri="{FF2B5EF4-FFF2-40B4-BE49-F238E27FC236}">
+                <a16:creationId xmlns:a16="http://schemas.microsoft.com/office/drawing/2014/main" id="{BA9F12C9-A210-4CC5-42E6-E73892106C13}"/>
+              </a:ext>
+            </a:extLst>
+          </p:cNvPr>
+          <p:cNvSpPr/>
+          <p:nvPr/>
+        </p:nvSpPr>
+        <p:spPr>
+          <a:xfrm>
+            <a:off x="10617200" y="1070428"/>
+            <a:ext cx="1248229" cy="4920343"/>
+          </a:xfrm>
+          <a:prstGeom prst="roundRect">
+            <a:avLst>
+              <a:gd name="adj" fmla="val 50000"/>
+            </a:avLst>
+          </a:prstGeom>
+          <a:ln>
+            <a:noFill/>
+          </a:ln>
+          <a:effectLst>
+            <a:outerShdw blurRad="1270000" dist="76200" dir="5400000" sx="118000" sy="118000" algn="ctr" rotWithShape="0">
+              <a:srgbClr val="000000">
+                <a:alpha val="52000"/>
+              </a:srgbClr>
+            </a:outerShdw>
+          </a:effectLst>
+        </p:spPr>
+        <p:style>
+          <a:lnRef idx="2">
+            <a:schemeClr val="accent1">
+              <a:shade val="15000"/>
+            </a:schemeClr>
+          </a:lnRef>
+          <a:fillRef idx="1">
+            <a:schemeClr val="accent1"/>
+          </a:fillRef>
+          <a:effectRef idx="0">
+            <a:schemeClr val="accent1"/>
+          </a:effectRef>
+          <a:fontRef idx="minor">
+            <a:schemeClr val="lt1"/>
+          </a:fontRef>
+        </p:style>
+        <p:txBody>
+          <a:bodyPr rtlCol="0" anchor="ctr"/>
+          <a:lstStyle/>
+          <a:p>
+            <a:pPr algn="ctr"/>
+            <a:endParaRPr lang="en-GB"/>
+          </a:p>
+        </p:txBody>
+      </p:sp>
+      <p:sp useBgFill="1">
+        <p:nvSpPr>
+          <p:cNvPr id="14" name="Rectangle: Rounded Corners 13">
+            <a:extLst>
+              <a:ext uri="{FF2B5EF4-FFF2-40B4-BE49-F238E27FC236}">
+                <a16:creationId xmlns:a16="http://schemas.microsoft.com/office/drawing/2014/main" id="{1F61AB5E-E10B-D21F-BC32-213F5EA0199E}"/>
+              </a:ext>
+            </a:extLst>
+          </p:cNvPr>
+          <p:cNvSpPr/>
+          <p:nvPr/>
+        </p:nvSpPr>
+        <p:spPr>
+          <a:xfrm>
+            <a:off x="7815942" y="101600"/>
+            <a:ext cx="1248229" cy="5486400"/>
+          </a:xfrm>
+          <a:prstGeom prst="roundRect">
+            <a:avLst>
+              <a:gd name="adj" fmla="val 50000"/>
+            </a:avLst>
+          </a:prstGeom>
+          <a:ln>
+            <a:noFill/>
+          </a:ln>
+          <a:effectLst>
+            <a:outerShdw blurRad="1270000" dist="76200" dir="5400000" sx="118000" sy="118000" algn="ctr" rotWithShape="0">
+              <a:srgbClr val="000000">
+                <a:alpha val="52000"/>
+              </a:srgbClr>
+            </a:outerShdw>
+          </a:effectLst>
+        </p:spPr>
+        <p:style>
+          <a:lnRef idx="2">
+            <a:schemeClr val="accent1">
+              <a:shade val="15000"/>
+            </a:schemeClr>
+          </a:lnRef>
+          <a:fillRef idx="1">
+            <a:schemeClr val="accent1"/>
+          </a:fillRef>
+          <a:effectRef idx="0">
+            <a:schemeClr val="accent1"/>
+          </a:effectRef>
+          <a:fontRef idx="minor">
+            <a:schemeClr val="lt1"/>
+          </a:fontRef>
+        </p:style>
+        <p:txBody>
+          <a:bodyPr rtlCol="0" anchor="ctr"/>
+          <a:lstStyle/>
+          <a:p>
+            <a:pPr algn="ctr"/>
+            <a:endParaRPr lang="en-GB"/>
+          </a:p>
+        </p:txBody>
+      </p:sp>
+      <p:sp>
+        <p:nvSpPr>
+          <p:cNvPr id="15" name="TextBox 14">
+            <a:extLst>
+              <a:ext uri="{FF2B5EF4-FFF2-40B4-BE49-F238E27FC236}">
+                <a16:creationId xmlns:a16="http://schemas.microsoft.com/office/drawing/2014/main" id="{9A2B255D-A77F-D5B2-AB2F-D66ADAAE517A}"/>
+              </a:ext>
+            </a:extLst>
+          </p:cNvPr>
+          <p:cNvSpPr txBox="1"/>
+          <p:nvPr/>
+        </p:nvSpPr>
+        <p:spPr>
+          <a:xfrm>
+            <a:off x="3614059" y="1926771"/>
+            <a:ext cx="4325257" cy="646331"/>
+          </a:xfrm>
+          <a:prstGeom prst="rect">
+            <a:avLst/>
+          </a:prstGeom>
+          <a:noFill/>
+        </p:spPr>
+        <p:txBody>
+          <a:bodyPr wrap="square" rtlCol="0">
+            <a:spAutoFit/>
+          </a:bodyPr>
+          <a:lstStyle/>
+          <a:p>
+            <a:r>
+              <a:rPr lang="en-US" dirty="0">
+                <a:solidFill>
+                  <a:schemeClr val="bg1"/>
+                </a:solidFill>
+              </a:rPr>
+              <a:t>Title</a:t>
+            </a:r>
+          </a:p>
+          <a:p>
+            <a:r>
+              <a:rPr lang="en-US" dirty="0">
+                <a:solidFill>
+                  <a:schemeClr val="bg1"/>
+                </a:solidFill>
+              </a:rPr>
+              <a:t>content</a:t>
+            </a:r>
+            <a:endParaRPr lang="en-GB" dirty="0">
+              <a:solidFill>
+                <a:schemeClr val="bg1"/>
+              </a:solidFill>
+            </a:endParaRPr>
+          </a:p>
+        </p:txBody>
+      </p:sp>
+      <p:sp>
+        <p:nvSpPr>
+          <p:cNvPr id="18" name="Rectangle 17">
+            <a:extLst>
+              <a:ext uri="{FF2B5EF4-FFF2-40B4-BE49-F238E27FC236}">
+                <a16:creationId xmlns:a16="http://schemas.microsoft.com/office/drawing/2014/main" id="{2131C98C-70B5-164B-0C7D-70E1DB1ECE14}"/>
+              </a:ext>
+            </a:extLst>
+          </p:cNvPr>
+          <p:cNvSpPr/>
+          <p:nvPr/>
+        </p:nvSpPr>
+        <p:spPr>
+          <a:xfrm>
+            <a:off x="0" y="0"/>
+            <a:ext cx="12192000" cy="6858000"/>
+          </a:xfrm>
+          <a:prstGeom prst="rect">
+            <a:avLst/>
+          </a:prstGeom>
+          <a:gradFill>
+            <a:gsLst>
+              <a:gs pos="46000">
+                <a:schemeClr val="accent1">
+                  <a:lumMod val="5000"/>
+                  <a:lumOff val="95000"/>
+                  <a:alpha val="0"/>
+                </a:schemeClr>
+              </a:gs>
+              <a:gs pos="66000">
+                <a:schemeClr val="bg2">
+                  <a:lumMod val="75000"/>
+                  <a:alpha val="54000"/>
+                </a:schemeClr>
+              </a:gs>
+              <a:gs pos="83000">
+                <a:schemeClr val="bg2">
+                  <a:lumMod val="50000"/>
+                  <a:alpha val="29000"/>
+                </a:schemeClr>
+              </a:gs>
+              <a:gs pos="100000">
+                <a:schemeClr val="bg2">
+                  <a:lumMod val="50000"/>
+                  <a:alpha val="48000"/>
+                </a:schemeClr>
+              </a:gs>
+            </a:gsLst>
+            <a:lin ang="10800000" scaled="1"/>
+          </a:gradFill>
+          <a:ln>
+            <a:noFill/>
+          </a:ln>
+        </p:spPr>
+        <p:style>
+          <a:lnRef idx="2">
+            <a:schemeClr val="accent1">
+              <a:shade val="15000"/>
+            </a:schemeClr>
+          </a:lnRef>
+          <a:fillRef idx="1">
+            <a:schemeClr val="accent1"/>
+          </a:fillRef>
+          <a:effectRef idx="0">
+            <a:schemeClr val="accent1"/>
+          </a:effectRef>
+          <a:fontRef idx="minor">
+            <a:schemeClr val="lt1"/>
+          </a:fontRef>
+        </p:style>
+        <p:txBody>
+          <a:bodyPr rtlCol="0" anchor="ctr"/>
+          <a:lstStyle/>
+          <a:p>
+            <a:pPr algn="ctr"/>
+            <a:endParaRPr lang="en-GB"/>
+          </a:p>
+        </p:txBody>
+      </p:sp>
+      <p:sp>
+        <p:nvSpPr>
+          <p:cNvPr id="16" name="Oval 15">
+            <a:extLst>
+              <a:ext uri="{FF2B5EF4-FFF2-40B4-BE49-F238E27FC236}">
+                <a16:creationId xmlns:a16="http://schemas.microsoft.com/office/drawing/2014/main" id="{4A6CA64F-CEA5-430C-44BB-58FD5CF30634}"/>
+              </a:ext>
+            </a:extLst>
+          </p:cNvPr>
+          <p:cNvSpPr/>
+          <p:nvPr/>
+        </p:nvSpPr>
+        <p:spPr>
+          <a:xfrm>
+            <a:off x="326571" y="2181216"/>
+            <a:ext cx="2249714" cy="2224759"/>
+          </a:xfrm>
+          <a:prstGeom prst="ellipse">
+            <a:avLst/>
+          </a:prstGeom>
+          <a:blipFill>
+            <a:blip r:embed="rId2"/>
+            <a:stretch>
+              <a:fillRect/>
+            </a:stretch>
+          </a:blipFill>
+          <a:ln>
+            <a:noFill/>
+          </a:ln>
+          <a:effectLst>
+            <a:outerShdw blurRad="787400" dist="50800" dir="5400000" algn="ctr" rotWithShape="0">
+              <a:srgbClr val="000000">
+                <a:alpha val="43137"/>
+              </a:srgbClr>
+            </a:outerShdw>
+          </a:effectLst>
+        </p:spPr>
+        <p:style>
+          <a:lnRef idx="2">
+            <a:schemeClr val="accent1">
+              <a:shade val="15000"/>
+            </a:schemeClr>
+          </a:lnRef>
+          <a:fillRef idx="1">
+            <a:schemeClr val="accent1"/>
+          </a:fillRef>
+          <a:effectRef idx="0">
+            <a:schemeClr val="accent1"/>
+          </a:effectRef>
+          <a:fontRef idx="minor">
+            <a:schemeClr val="lt1"/>
+          </a:fontRef>
+        </p:style>
+        <p:txBody>
+          <a:bodyPr rtlCol="0" anchor="ctr"/>
+          <a:lstStyle/>
+          <a:p>
+            <a:pPr algn="ctr"/>
+            <a:endParaRPr lang="en-GB"/>
+          </a:p>
+        </p:txBody>
+      </p:sp>
+      <p:sp>
+        <p:nvSpPr>
+          <p:cNvPr id="17" name="Oval 16">
+            <a:extLst>
+              <a:ext uri="{FF2B5EF4-FFF2-40B4-BE49-F238E27FC236}">
+                <a16:creationId xmlns:a16="http://schemas.microsoft.com/office/drawing/2014/main" id="{9676A307-E40D-C11A-CF94-C203F9B532BF}"/>
+              </a:ext>
+            </a:extLst>
+          </p:cNvPr>
+          <p:cNvSpPr/>
+          <p:nvPr/>
+        </p:nvSpPr>
+        <p:spPr>
+          <a:xfrm>
+            <a:off x="674188" y="4628605"/>
+            <a:ext cx="1554480" cy="1554480"/>
+          </a:xfrm>
+          <a:prstGeom prst="ellipse">
+            <a:avLst/>
+          </a:prstGeom>
+          <a:blipFill>
+            <a:blip r:embed="rId3"/>
+            <a:stretch>
+              <a:fillRect/>
+            </a:stretch>
+          </a:blipFill>
+          <a:ln>
+            <a:noFill/>
+          </a:ln>
+          <a:effectLst>
+            <a:outerShdw blurRad="787400" dist="50800" dir="5400000" algn="ctr" rotWithShape="0">
+              <a:srgbClr val="000000">
+                <a:alpha val="43137"/>
+              </a:srgbClr>
+            </a:outerShdw>
+          </a:effectLst>
+        </p:spPr>
+        <p:style>
+          <a:lnRef idx="2">
+            <a:schemeClr val="accent1">
+              <a:shade val="15000"/>
+            </a:schemeClr>
+          </a:lnRef>
+          <a:fillRef idx="1">
+            <a:schemeClr val="accent1"/>
+          </a:fillRef>
+          <a:effectRef idx="0">
+            <a:schemeClr val="accent1"/>
+          </a:effectRef>
+          <a:fontRef idx="minor">
+            <a:schemeClr val="lt1"/>
+          </a:fontRef>
+        </p:style>
+        <p:txBody>
+          <a:bodyPr rtlCol="0" anchor="ctr"/>
+          <a:lstStyle/>
+          <a:p>
+            <a:pPr algn="ctr"/>
+            <a:endParaRPr lang="en-GB"/>
+          </a:p>
+        </p:txBody>
+      </p:sp>
+    </p:spTree>
+    <p:extLst>
+      <p:ext uri="{BB962C8B-B14F-4D97-AF65-F5344CB8AC3E}">
+        <p14:creationId xmlns:p14="http://schemas.microsoft.com/office/powerpoint/2010/main" val="3515420673"/>
+      </p:ext>
+    </p:extLst>
+  </p:cSld>
+  <p:clrMapOvr>
+    <a:masterClrMapping/>
+  </p:clrMapOvr>
+  <mc:AlternateContent xmlns:mc="http://schemas.openxmlformats.org/markup-compatibility/2006">
+    <mc:Choice xmlns:p159="http://schemas.microsoft.com/office/powerpoint/2015/09/main" Requires="p159">
+      <p:transition xmlns:p14="http://schemas.microsoft.com/office/powerpoint/2010/main" spd="slow" p14:dur="2000">
+        <p159:morph option="byObject"/>
+      </p:transition>
+    </mc:Choice>
+    <mc:Fallback>
+      <p:transition spd="slow">
+        <p:fade/>
+      </p:transition>
+    </mc:Fallback>
+  </mc:AlternateContent>
+</p:sld>
+</file>
+
+<file path=ppt/slides/slide17.xml><?xml version="1.0" encoding="utf-8"?>
+<p:sld xmlns:a="http://schemas.openxmlformats.org/drawingml/2006/main" xmlns:r="http://schemas.openxmlformats.org/officeDocument/2006/relationships" xmlns:p="http://schemas.openxmlformats.org/presentationml/2006/main">
+  <p:cSld>
+    <p:bg>
+      <p:bgPr>
+        <a:blipFill dpi="0" rotWithShape="1">
+          <a:blip r:embed="rId2">
+            <a:lum/>
+          </a:blip>
+          <a:srcRect/>
+          <a:stretch>
+            <a:fillRect t="-9000" b="-9000"/>
+          </a:stretch>
+        </a:blipFill>
+        <a:effectLst/>
+      </p:bgPr>
+    </p:bg>
+    <p:spTree>
+      <p:nvGrpSpPr>
+        <p:cNvPr id="1" name=""/>
+        <p:cNvGrpSpPr/>
+        <p:nvPr/>
+      </p:nvGrpSpPr>
+      <p:grpSpPr>
+        <a:xfrm>
+          <a:off x="0" y="0"/>
+          <a:ext cx="0" cy="0"/>
+          <a:chOff x="0" y="0"/>
+          <a:chExt cx="0" cy="0"/>
+        </a:xfrm>
+      </p:grpSpPr>
+      <p:sp useBgFill="1">
+        <p:nvSpPr>
+          <p:cNvPr id="11" name="Rectangle: Rounded Corners 10">
+            <a:extLst>
+              <a:ext uri="{FF2B5EF4-FFF2-40B4-BE49-F238E27FC236}">
+                <a16:creationId xmlns:a16="http://schemas.microsoft.com/office/drawing/2014/main" id="{9F6A41EF-73AC-6F42-7F92-5CFD3603E20F}"/>
+              </a:ext>
+            </a:extLst>
+          </p:cNvPr>
+          <p:cNvSpPr/>
+          <p:nvPr/>
+        </p:nvSpPr>
+        <p:spPr>
+          <a:xfrm>
+            <a:off x="6415313" y="1654628"/>
+            <a:ext cx="1248229" cy="4920343"/>
+          </a:xfrm>
+          <a:prstGeom prst="roundRect">
+            <a:avLst>
+              <a:gd name="adj" fmla="val 50000"/>
+            </a:avLst>
+          </a:prstGeom>
+          <a:ln>
+            <a:noFill/>
+          </a:ln>
+          <a:effectLst>
+            <a:outerShdw blurRad="1270000" dir="1980000" algn="ctr" rotWithShape="0">
+              <a:srgbClr val="000000"/>
+            </a:outerShdw>
+          </a:effectLst>
+        </p:spPr>
+        <p:style>
+          <a:lnRef idx="2">
+            <a:schemeClr val="accent1">
+              <a:shade val="15000"/>
+            </a:schemeClr>
+          </a:lnRef>
+          <a:fillRef idx="1">
+            <a:schemeClr val="accent1"/>
+          </a:fillRef>
+          <a:effectRef idx="0">
+            <a:schemeClr val="accent1"/>
+          </a:effectRef>
+          <a:fontRef idx="minor">
+            <a:schemeClr val="lt1"/>
+          </a:fontRef>
+        </p:style>
+        <p:txBody>
+          <a:bodyPr rtlCol="0" anchor="ctr"/>
+          <a:lstStyle/>
+          <a:p>
+            <a:pPr algn="ctr"/>
+            <a:endParaRPr lang="en-GB"/>
+          </a:p>
+        </p:txBody>
+      </p:sp>
+      <p:sp useBgFill="1">
+        <p:nvSpPr>
+          <p:cNvPr id="12" name="Rectangle: Rounded Corners 11">
+            <a:extLst>
+              <a:ext uri="{FF2B5EF4-FFF2-40B4-BE49-F238E27FC236}">
+                <a16:creationId xmlns:a16="http://schemas.microsoft.com/office/drawing/2014/main" id="{DD608682-1EEF-6359-20BE-051ABB8C908C}"/>
+              </a:ext>
+            </a:extLst>
+          </p:cNvPr>
+          <p:cNvSpPr/>
+          <p:nvPr/>
+        </p:nvSpPr>
+        <p:spPr>
+          <a:xfrm>
+            <a:off x="9216571" y="667657"/>
+            <a:ext cx="1248229" cy="5907314"/>
+          </a:xfrm>
+          <a:prstGeom prst="roundRect">
+            <a:avLst>
+              <a:gd name="adj" fmla="val 50000"/>
+            </a:avLst>
+          </a:prstGeom>
+          <a:ln>
+            <a:noFill/>
+          </a:ln>
+          <a:effectLst>
+            <a:outerShdw blurRad="1270000" dir="1980000" algn="ctr" rotWithShape="0">
+              <a:srgbClr val="000000"/>
+            </a:outerShdw>
+          </a:effectLst>
+        </p:spPr>
+        <p:style>
+          <a:lnRef idx="2">
+            <a:schemeClr val="accent1">
+              <a:shade val="15000"/>
+            </a:schemeClr>
+          </a:lnRef>
+          <a:fillRef idx="1">
+            <a:schemeClr val="accent1"/>
+          </a:fillRef>
+          <a:effectRef idx="0">
+            <a:schemeClr val="accent1"/>
+          </a:effectRef>
+          <a:fontRef idx="minor">
+            <a:schemeClr val="lt1"/>
+          </a:fontRef>
+        </p:style>
+        <p:txBody>
+          <a:bodyPr rtlCol="0" anchor="ctr"/>
+          <a:lstStyle/>
+          <a:p>
+            <a:pPr algn="ctr"/>
+            <a:endParaRPr lang="en-GB"/>
+          </a:p>
+        </p:txBody>
+      </p:sp>
+      <p:sp useBgFill="1">
+        <p:nvSpPr>
+          <p:cNvPr id="13" name="Rectangle: Rounded Corners 12">
+            <a:extLst>
+              <a:ext uri="{FF2B5EF4-FFF2-40B4-BE49-F238E27FC236}">
+                <a16:creationId xmlns:a16="http://schemas.microsoft.com/office/drawing/2014/main" id="{BA9F12C9-A210-4CC5-42E6-E73892106C13}"/>
+              </a:ext>
+            </a:extLst>
+          </p:cNvPr>
+          <p:cNvSpPr/>
+          <p:nvPr/>
+        </p:nvSpPr>
+        <p:spPr>
+          <a:xfrm>
+            <a:off x="10617200" y="1070428"/>
+            <a:ext cx="1248229" cy="4920343"/>
+          </a:xfrm>
+          <a:prstGeom prst="roundRect">
+            <a:avLst>
+              <a:gd name="adj" fmla="val 50000"/>
+            </a:avLst>
+          </a:prstGeom>
+          <a:ln>
+            <a:noFill/>
+          </a:ln>
+          <a:effectLst>
+            <a:outerShdw blurRad="1270000" dir="1980000" algn="ctr" rotWithShape="0">
+              <a:srgbClr val="000000"/>
+            </a:outerShdw>
+          </a:effectLst>
+        </p:spPr>
+        <p:style>
+          <a:lnRef idx="2">
+            <a:schemeClr val="accent1">
+              <a:shade val="15000"/>
+            </a:schemeClr>
+          </a:lnRef>
+          <a:fillRef idx="1">
+            <a:schemeClr val="accent1"/>
+          </a:fillRef>
+          <a:effectRef idx="0">
+            <a:schemeClr val="accent1"/>
+          </a:effectRef>
+          <a:fontRef idx="minor">
+            <a:schemeClr val="lt1"/>
+          </a:fontRef>
+        </p:style>
+        <p:txBody>
+          <a:bodyPr rtlCol="0" anchor="ctr"/>
+          <a:lstStyle/>
+          <a:p>
+            <a:pPr algn="ctr"/>
+            <a:endParaRPr lang="en-GB"/>
+          </a:p>
+        </p:txBody>
+      </p:sp>
+      <p:sp useBgFill="1">
+        <p:nvSpPr>
+          <p:cNvPr id="14" name="Rectangle: Rounded Corners 13">
+            <a:extLst>
+              <a:ext uri="{FF2B5EF4-FFF2-40B4-BE49-F238E27FC236}">
+                <a16:creationId xmlns:a16="http://schemas.microsoft.com/office/drawing/2014/main" id="{1F61AB5E-E10B-D21F-BC32-213F5EA0199E}"/>
+              </a:ext>
+            </a:extLst>
+          </p:cNvPr>
+          <p:cNvSpPr/>
+          <p:nvPr/>
+        </p:nvSpPr>
+        <p:spPr>
+          <a:xfrm>
+            <a:off x="7815942" y="101600"/>
+            <a:ext cx="1248229" cy="5486400"/>
+          </a:xfrm>
+          <a:prstGeom prst="roundRect">
+            <a:avLst>
+              <a:gd name="adj" fmla="val 50000"/>
+            </a:avLst>
+          </a:prstGeom>
+          <a:ln>
+            <a:noFill/>
+          </a:ln>
+          <a:effectLst>
+            <a:outerShdw blurRad="1270000" dir="1980000" algn="ctr" rotWithShape="0">
+              <a:srgbClr val="000000"/>
+            </a:outerShdw>
+          </a:effectLst>
+        </p:spPr>
+        <p:style>
+          <a:lnRef idx="2">
+            <a:schemeClr val="accent1">
+              <a:shade val="15000"/>
+            </a:schemeClr>
+          </a:lnRef>
+          <a:fillRef idx="1">
+            <a:schemeClr val="accent1"/>
+          </a:fillRef>
+          <a:effectRef idx="0">
+            <a:schemeClr val="accent1"/>
+          </a:effectRef>
+          <a:fontRef idx="minor">
+            <a:schemeClr val="lt1"/>
+          </a:fontRef>
+        </p:style>
+        <p:txBody>
+          <a:bodyPr rtlCol="0" anchor="ctr"/>
+          <a:lstStyle/>
+          <a:p>
+            <a:pPr algn="ctr"/>
+            <a:endParaRPr lang="en-GB"/>
+          </a:p>
+        </p:txBody>
+      </p:sp>
+      <p:sp>
+        <p:nvSpPr>
+          <p:cNvPr id="15" name="TextBox 14">
+            <a:extLst>
+              <a:ext uri="{FF2B5EF4-FFF2-40B4-BE49-F238E27FC236}">
+                <a16:creationId xmlns:a16="http://schemas.microsoft.com/office/drawing/2014/main" id="{9A2B255D-A77F-D5B2-AB2F-D66ADAAE517A}"/>
+              </a:ext>
+            </a:extLst>
+          </p:cNvPr>
+          <p:cNvSpPr txBox="1"/>
+          <p:nvPr/>
+        </p:nvSpPr>
+        <p:spPr>
+          <a:xfrm>
+            <a:off x="3614059" y="1926771"/>
+            <a:ext cx="4325257" cy="646331"/>
+          </a:xfrm>
+          <a:prstGeom prst="rect">
+            <a:avLst/>
+          </a:prstGeom>
+          <a:noFill/>
+        </p:spPr>
+        <p:txBody>
+          <a:bodyPr wrap="square" rtlCol="0">
+            <a:spAutoFit/>
+          </a:bodyPr>
+          <a:lstStyle/>
+          <a:p>
+            <a:r>
+              <a:rPr lang="en-US" dirty="0">
+                <a:solidFill>
+                  <a:schemeClr val="bg1"/>
+                </a:solidFill>
+              </a:rPr>
+              <a:t>Title</a:t>
+            </a:r>
+          </a:p>
+          <a:p>
+            <a:r>
+              <a:rPr lang="en-US" dirty="0">
+                <a:solidFill>
+                  <a:schemeClr val="bg1"/>
+                </a:solidFill>
+              </a:rPr>
+              <a:t>content</a:t>
+            </a:r>
+            <a:endParaRPr lang="en-GB" dirty="0">
+              <a:solidFill>
+                <a:schemeClr val="bg1"/>
+              </a:solidFill>
+            </a:endParaRPr>
+          </a:p>
+        </p:txBody>
+      </p:sp>
+      <p:sp>
+        <p:nvSpPr>
+          <p:cNvPr id="5" name="Rectangle 4">
+            <a:extLst>
+              <a:ext uri="{FF2B5EF4-FFF2-40B4-BE49-F238E27FC236}">
+                <a16:creationId xmlns:a16="http://schemas.microsoft.com/office/drawing/2014/main" id="{F4FE32DE-9A5A-9C1C-8F76-076154F84D1F}"/>
+              </a:ext>
+            </a:extLst>
+          </p:cNvPr>
+          <p:cNvSpPr/>
+          <p:nvPr/>
+        </p:nvSpPr>
+        <p:spPr>
+          <a:xfrm>
+            <a:off x="0" y="0"/>
+            <a:ext cx="12192000" cy="6858000"/>
+          </a:xfrm>
+          <a:prstGeom prst="rect">
+            <a:avLst/>
+          </a:prstGeom>
+          <a:gradFill>
+            <a:gsLst>
+              <a:gs pos="46000">
+                <a:schemeClr val="accent1">
+                  <a:lumMod val="5000"/>
+                  <a:lumOff val="95000"/>
+                  <a:alpha val="0"/>
+                </a:schemeClr>
+              </a:gs>
+              <a:gs pos="66000">
+                <a:schemeClr val="bg2">
+                  <a:lumMod val="75000"/>
+                  <a:alpha val="54000"/>
+                </a:schemeClr>
+              </a:gs>
+              <a:gs pos="83000">
+                <a:schemeClr val="bg2">
+                  <a:lumMod val="50000"/>
+                  <a:alpha val="29000"/>
+                </a:schemeClr>
+              </a:gs>
+              <a:gs pos="100000">
+                <a:schemeClr val="bg2">
+                  <a:lumMod val="50000"/>
+                  <a:alpha val="48000"/>
+                </a:schemeClr>
+              </a:gs>
+            </a:gsLst>
+            <a:lin ang="10800000" scaled="1"/>
+          </a:gradFill>
+          <a:ln>
+            <a:noFill/>
+          </a:ln>
+        </p:spPr>
+        <p:style>
+          <a:lnRef idx="2">
+            <a:schemeClr val="accent1">
+              <a:shade val="15000"/>
+            </a:schemeClr>
+          </a:lnRef>
+          <a:fillRef idx="1">
+            <a:schemeClr val="accent1"/>
+          </a:fillRef>
+          <a:effectRef idx="0">
+            <a:schemeClr val="accent1"/>
+          </a:effectRef>
+          <a:fontRef idx="minor">
+            <a:schemeClr val="lt1"/>
+          </a:fontRef>
+        </p:style>
+        <p:txBody>
+          <a:bodyPr rtlCol="0" anchor="ctr"/>
+          <a:lstStyle/>
+          <a:p>
+            <a:pPr algn="ctr"/>
+            <a:endParaRPr lang="en-GB"/>
+          </a:p>
+        </p:txBody>
+      </p:sp>
+      <p:sp>
+        <p:nvSpPr>
+          <p:cNvPr id="2" name="Oval 1">
+            <a:extLst>
+              <a:ext uri="{FF2B5EF4-FFF2-40B4-BE49-F238E27FC236}">
+                <a16:creationId xmlns:a16="http://schemas.microsoft.com/office/drawing/2014/main" id="{AA66A224-0AC0-6037-45EE-959536768507}"/>
+              </a:ext>
+            </a:extLst>
+          </p:cNvPr>
+          <p:cNvSpPr/>
+          <p:nvPr/>
+        </p:nvSpPr>
+        <p:spPr>
+          <a:xfrm>
+            <a:off x="674188" y="769256"/>
+            <a:ext cx="1554480" cy="1554480"/>
+          </a:xfrm>
+          <a:prstGeom prst="ellipse">
+            <a:avLst/>
+          </a:prstGeom>
+          <a:blipFill>
+            <a:blip r:embed="rId3"/>
+            <a:stretch>
+              <a:fillRect/>
+            </a:stretch>
+          </a:blipFill>
+          <a:ln>
+            <a:noFill/>
+          </a:ln>
+          <a:effectLst>
+            <a:outerShdw blurRad="787400" dist="50800" dir="5400000" algn="ctr" rotWithShape="0">
+              <a:srgbClr val="000000">
+                <a:alpha val="43137"/>
+              </a:srgbClr>
+            </a:outerShdw>
+          </a:effectLst>
+        </p:spPr>
+        <p:style>
+          <a:lnRef idx="2">
+            <a:schemeClr val="accent1">
+              <a:shade val="15000"/>
+            </a:schemeClr>
+          </a:lnRef>
+          <a:fillRef idx="1">
+            <a:schemeClr val="accent1"/>
+          </a:fillRef>
+          <a:effectRef idx="0">
+            <a:schemeClr val="accent1"/>
+          </a:effectRef>
+          <a:fontRef idx="minor">
+            <a:schemeClr val="lt1"/>
+          </a:fontRef>
+        </p:style>
+        <p:txBody>
+          <a:bodyPr rtlCol="0" anchor="ctr"/>
+          <a:lstStyle/>
+          <a:p>
+            <a:pPr algn="ctr"/>
+            <a:endParaRPr lang="en-GB"/>
+          </a:p>
+        </p:txBody>
+      </p:sp>
+      <p:sp>
+        <p:nvSpPr>
+          <p:cNvPr id="4" name="Oval 3">
+            <a:extLst>
+              <a:ext uri="{FF2B5EF4-FFF2-40B4-BE49-F238E27FC236}">
+                <a16:creationId xmlns:a16="http://schemas.microsoft.com/office/drawing/2014/main" id="{1CFB3DCE-6632-510F-92E1-60E60931166C}"/>
+              </a:ext>
+            </a:extLst>
+          </p:cNvPr>
+          <p:cNvSpPr/>
+          <p:nvPr/>
+        </p:nvSpPr>
+        <p:spPr>
+          <a:xfrm>
+            <a:off x="326571" y="2790816"/>
+            <a:ext cx="2249714" cy="2224759"/>
+          </a:xfrm>
+          <a:prstGeom prst="ellipse">
+            <a:avLst/>
+          </a:prstGeom>
+          <a:blipFill>
+            <a:blip r:embed="rId2"/>
+            <a:stretch>
+              <a:fillRect/>
+            </a:stretch>
+          </a:blipFill>
+          <a:ln>
+            <a:noFill/>
+          </a:ln>
+          <a:effectLst>
+            <a:outerShdw blurRad="787400" dist="50800" dir="5400000" algn="ctr" rotWithShape="0">
+              <a:srgbClr val="000000">
+                <a:alpha val="43137"/>
+              </a:srgbClr>
+            </a:outerShdw>
+          </a:effectLst>
+        </p:spPr>
+        <p:style>
+          <a:lnRef idx="2">
+            <a:schemeClr val="accent1">
+              <a:shade val="15000"/>
+            </a:schemeClr>
+          </a:lnRef>
+          <a:fillRef idx="1">
+            <a:schemeClr val="accent1"/>
+          </a:fillRef>
+          <a:effectRef idx="0">
+            <a:schemeClr val="accent1"/>
+          </a:effectRef>
+          <a:fontRef idx="minor">
+            <a:schemeClr val="lt1"/>
+          </a:fontRef>
+        </p:style>
+        <p:txBody>
+          <a:bodyPr rtlCol="0" anchor="ctr"/>
+          <a:lstStyle/>
+          <a:p>
+            <a:pPr algn="ctr"/>
+            <a:endParaRPr lang="en-GB"/>
+          </a:p>
+        </p:txBody>
+      </p:sp>
+    </p:spTree>
+    <p:extLst>
+      <p:ext uri="{BB962C8B-B14F-4D97-AF65-F5344CB8AC3E}">
+        <p14:creationId xmlns:p14="http://schemas.microsoft.com/office/powerpoint/2010/main" val="3528371659"/>
+      </p:ext>
+    </p:extLst>
+  </p:cSld>
+  <p:clrMapOvr>
+    <a:masterClrMapping/>
+  </p:clrMapOvr>
+  <mc:AlternateContent xmlns:mc="http://schemas.openxmlformats.org/markup-compatibility/2006">
+    <mc:Choice xmlns:p159="http://schemas.microsoft.com/office/powerpoint/2015/09/main" Requires="p159">
+      <p:transition xmlns:p14="http://schemas.microsoft.com/office/powerpoint/2010/main" spd="slow" p14:dur="2000">
+        <p159:morph option="byObject"/>
+      </p:transition>
+    </mc:Choice>
+    <mc:Fallback>
       <p:transition spd="slow">
         <p:fade/>
       </p:transition>
@@ -5639,7 +9236,7 @@
   </p:clrMapOvr>
   <mc:AlternateContent xmlns:mc="http://schemas.openxmlformats.org/markup-compatibility/2006" xmlns:p159="http://schemas.microsoft.com/office/powerpoint/2015/09/main">
     <mc:Choice Requires="p159">
-      <p:transition spd="slow">
+      <p:transition xmlns:p14="http://schemas.microsoft.com/office/powerpoint/2010/main" spd="slow" p14:dur="2000">
         <p159:morph option="byObject"/>
       </p:transition>
     </mc:Choice>
@@ -6821,7 +10418,7 @@
   </p:clrMapOvr>
   <mc:AlternateContent xmlns:mc="http://schemas.openxmlformats.org/markup-compatibility/2006" xmlns:p159="http://schemas.microsoft.com/office/powerpoint/2015/09/main">
     <mc:Choice Requires="p159">
-      <p:transition spd="slow">
+      <p:transition xmlns:p14="http://schemas.microsoft.com/office/powerpoint/2010/main" spd="slow" p14:dur="2000">
         <p159:morph option="byObject"/>
       </p:transition>
     </mc:Choice>
@@ -7999,7 +11596,7 @@
   </p:clrMapOvr>
   <mc:AlternateContent xmlns:mc="http://schemas.openxmlformats.org/markup-compatibility/2006" xmlns:p159="http://schemas.microsoft.com/office/powerpoint/2015/09/main">
     <mc:Choice Requires="p159">
-      <p:transition spd="slow">
+      <p:transition xmlns:p14="http://schemas.microsoft.com/office/powerpoint/2010/main" spd="slow" p14:dur="2000">
         <p159:morph option="byObject"/>
       </p:transition>
     </mc:Choice>
@@ -9181,7 +12778,7 @@
   </p:clrMapOvr>
   <mc:AlternateContent xmlns:mc="http://schemas.openxmlformats.org/markup-compatibility/2006" xmlns:p159="http://schemas.microsoft.com/office/powerpoint/2015/09/main">
     <mc:Choice Requires="p159">
-      <p:transition spd="slow">
+      <p:transition xmlns:p14="http://schemas.microsoft.com/office/powerpoint/2010/main" spd="slow" p14:dur="2000">
         <p159:morph option="byObject"/>
       </p:transition>
     </mc:Choice>
@@ -10363,7 +13960,7 @@
   </p:clrMapOvr>
   <mc:AlternateContent xmlns:mc="http://schemas.openxmlformats.org/markup-compatibility/2006" xmlns:p159="http://schemas.microsoft.com/office/powerpoint/2015/09/main">
     <mc:Choice Requires="p159">
-      <p:transition spd="slow">
+      <p:transition xmlns:p14="http://schemas.microsoft.com/office/powerpoint/2010/main" spd="slow" p14:dur="2000">
         <p159:morph option="byObject"/>
       </p:transition>
     </mc:Choice>
@@ -11545,7 +15142,7 @@
   </p:clrMapOvr>
   <mc:AlternateContent xmlns:mc="http://schemas.openxmlformats.org/markup-compatibility/2006" xmlns:p159="http://schemas.microsoft.com/office/powerpoint/2015/09/main">
     <mc:Choice Requires="p159">
-      <p:transition spd="slow">
+      <p:transition xmlns:p14="http://schemas.microsoft.com/office/powerpoint/2010/main" spd="slow" p14:dur="2000">
         <p159:morph option="byObject"/>
       </p:transition>
     </mc:Choice>
@@ -12727,7 +16324,304 @@
   </p:clrMapOvr>
   <mc:AlternateContent xmlns:mc="http://schemas.openxmlformats.org/markup-compatibility/2006" xmlns:p159="http://schemas.microsoft.com/office/powerpoint/2015/09/main">
     <mc:Choice Requires="p159">
+      <p:transition xmlns:p14="http://schemas.microsoft.com/office/powerpoint/2010/main" spd="slow" p14:dur="2000">
+        <p159:morph option="byObject"/>
+      </p:transition>
+    </mc:Choice>
+    <mc:Fallback xmlns="">
       <p:transition spd="slow">
+        <p:fade/>
+      </p:transition>
+    </mc:Fallback>
+  </mc:AlternateContent>
+</p:sld>
+</file>
+
+<file path=ppt/slides/slide9.xml><?xml version="1.0" encoding="utf-8"?>
+<p:sld xmlns:a="http://schemas.openxmlformats.org/drawingml/2006/main" xmlns:r="http://schemas.openxmlformats.org/officeDocument/2006/relationships" xmlns:p="http://schemas.openxmlformats.org/presentationml/2006/main">
+  <p:cSld>
+    <p:spTree>
+      <p:nvGrpSpPr>
+        <p:cNvPr id="1" name=""/>
+        <p:cNvGrpSpPr/>
+        <p:nvPr/>
+      </p:nvGrpSpPr>
+      <p:grpSpPr>
+        <a:xfrm>
+          <a:off x="0" y="0"/>
+          <a:ext cx="0" cy="0"/>
+          <a:chOff x="0" y="0"/>
+          <a:chExt cx="0" cy="0"/>
+        </a:xfrm>
+      </p:grpSpPr>
+      <p:sp>
+        <p:nvSpPr>
+          <p:cNvPr id="4" name="Rectangle 3">
+            <a:extLst>
+              <a:ext uri="{FF2B5EF4-FFF2-40B4-BE49-F238E27FC236}">
+                <a16:creationId xmlns:a16="http://schemas.microsoft.com/office/drawing/2014/main" id="{1E8588B9-DA61-CD73-CF19-3E516454DF8D}"/>
+              </a:ext>
+            </a:extLst>
+          </p:cNvPr>
+          <p:cNvSpPr/>
+          <p:nvPr/>
+        </p:nvSpPr>
+        <p:spPr>
+          <a:xfrm>
+            <a:off x="0" y="0"/>
+            <a:ext cx="12192000" cy="6858000"/>
+          </a:xfrm>
+          <a:prstGeom prst="rect">
+            <a:avLst/>
+          </a:prstGeom>
+          <a:solidFill>
+            <a:schemeClr val="tx1"/>
+          </a:solidFill>
+        </p:spPr>
+        <p:style>
+          <a:lnRef idx="2">
+            <a:schemeClr val="accent1">
+              <a:shade val="15000"/>
+            </a:schemeClr>
+          </a:lnRef>
+          <a:fillRef idx="1">
+            <a:schemeClr val="accent1"/>
+          </a:fillRef>
+          <a:effectRef idx="0">
+            <a:schemeClr val="accent1"/>
+          </a:effectRef>
+          <a:fontRef idx="minor">
+            <a:schemeClr val="lt1"/>
+          </a:fontRef>
+        </p:style>
+        <p:txBody>
+          <a:bodyPr rtlCol="0" anchor="ctr"/>
+          <a:lstStyle/>
+          <a:p>
+            <a:pPr algn="ctr"/>
+            <a:endParaRPr lang="en-GB"/>
+          </a:p>
+        </p:txBody>
+      </p:sp>
+      <p:sp>
+        <p:nvSpPr>
+          <p:cNvPr id="5" name="Rectangle: Rounded Corners 4">
+            <a:extLst>
+              <a:ext uri="{FF2B5EF4-FFF2-40B4-BE49-F238E27FC236}">
+                <a16:creationId xmlns:a16="http://schemas.microsoft.com/office/drawing/2014/main" id="{44356991-65CE-7BB0-3BA9-47D4298CF83D}"/>
+              </a:ext>
+            </a:extLst>
+          </p:cNvPr>
+          <p:cNvSpPr/>
+          <p:nvPr/>
+        </p:nvSpPr>
+        <p:spPr>
+          <a:xfrm>
+            <a:off x="1596571" y="769257"/>
+            <a:ext cx="2975429" cy="4470400"/>
+          </a:xfrm>
+          <a:prstGeom prst="roundRect">
+            <a:avLst/>
+          </a:prstGeom>
+          <a:ln>
+            <a:noFill/>
+          </a:ln>
+        </p:spPr>
+        <p:style>
+          <a:lnRef idx="2">
+            <a:schemeClr val="accent6">
+              <a:shade val="15000"/>
+            </a:schemeClr>
+          </a:lnRef>
+          <a:fillRef idx="1">
+            <a:schemeClr val="accent6"/>
+          </a:fillRef>
+          <a:effectRef idx="0">
+            <a:schemeClr val="accent6"/>
+          </a:effectRef>
+          <a:fontRef idx="minor">
+            <a:schemeClr val="lt1"/>
+          </a:fontRef>
+        </p:style>
+        <p:txBody>
+          <a:bodyPr rtlCol="0" anchor="ctr"/>
+          <a:lstStyle/>
+          <a:p>
+            <a:pPr algn="ctr"/>
+            <a:endParaRPr lang="en-GB"/>
+          </a:p>
+        </p:txBody>
+      </p:sp>
+      <p:sp>
+        <p:nvSpPr>
+          <p:cNvPr id="6" name="Rectangle: Rounded Corners 5">
+            <a:extLst>
+              <a:ext uri="{FF2B5EF4-FFF2-40B4-BE49-F238E27FC236}">
+                <a16:creationId xmlns:a16="http://schemas.microsoft.com/office/drawing/2014/main" id="{E915CB4C-9D86-F864-8A87-1A642145E2B8}"/>
+              </a:ext>
+            </a:extLst>
+          </p:cNvPr>
+          <p:cNvSpPr/>
+          <p:nvPr/>
+        </p:nvSpPr>
+        <p:spPr>
+          <a:xfrm>
+            <a:off x="7467602" y="769257"/>
+            <a:ext cx="2975429" cy="4470400"/>
+          </a:xfrm>
+          <a:prstGeom prst="roundRect">
+            <a:avLst/>
+          </a:prstGeom>
+          <a:solidFill>
+            <a:schemeClr val="bg2">
+              <a:lumMod val="25000"/>
+            </a:schemeClr>
+          </a:solidFill>
+          <a:ln>
+            <a:noFill/>
+          </a:ln>
+        </p:spPr>
+        <p:style>
+          <a:lnRef idx="2">
+            <a:schemeClr val="accent1">
+              <a:shade val="15000"/>
+            </a:schemeClr>
+          </a:lnRef>
+          <a:fillRef idx="1">
+            <a:schemeClr val="accent1"/>
+          </a:fillRef>
+          <a:effectRef idx="0">
+            <a:schemeClr val="accent1"/>
+          </a:effectRef>
+          <a:fontRef idx="minor">
+            <a:schemeClr val="lt1"/>
+          </a:fontRef>
+        </p:style>
+        <p:txBody>
+          <a:bodyPr rtlCol="0" anchor="ctr"/>
+          <a:lstStyle/>
+          <a:p>
+            <a:pPr algn="ctr"/>
+            <a:endParaRPr lang="en-GB"/>
+          </a:p>
+        </p:txBody>
+      </p:sp>
+      <p:sp>
+        <p:nvSpPr>
+          <p:cNvPr id="8" name="Rectangle: Rounded Corners 7">
+            <a:extLst>
+              <a:ext uri="{FF2B5EF4-FFF2-40B4-BE49-F238E27FC236}">
+                <a16:creationId xmlns:a16="http://schemas.microsoft.com/office/drawing/2014/main" id="{A16FFB94-AD7A-ECBC-0930-47B640961A3A}"/>
+              </a:ext>
+            </a:extLst>
+          </p:cNvPr>
+          <p:cNvSpPr/>
+          <p:nvPr/>
+        </p:nvSpPr>
+        <p:spPr>
+          <a:xfrm>
+            <a:off x="1596571" y="5675085"/>
+            <a:ext cx="8846460" cy="667657"/>
+          </a:xfrm>
+          <a:prstGeom prst="roundRect">
+            <a:avLst/>
+          </a:prstGeom>
+          <a:solidFill>
+            <a:schemeClr val="bg2">
+              <a:lumMod val="25000"/>
+            </a:schemeClr>
+          </a:solidFill>
+          <a:ln>
+            <a:noFill/>
+          </a:ln>
+        </p:spPr>
+        <p:style>
+          <a:lnRef idx="2">
+            <a:schemeClr val="accent1">
+              <a:shade val="15000"/>
+            </a:schemeClr>
+          </a:lnRef>
+          <a:fillRef idx="1">
+            <a:schemeClr val="accent1"/>
+          </a:fillRef>
+          <a:effectRef idx="0">
+            <a:schemeClr val="accent1"/>
+          </a:effectRef>
+          <a:fontRef idx="minor">
+            <a:schemeClr val="lt1"/>
+          </a:fontRef>
+        </p:style>
+        <p:txBody>
+          <a:bodyPr rtlCol="0" anchor="ctr"/>
+          <a:lstStyle/>
+          <a:p>
+            <a:pPr algn="ctr"/>
+            <a:endParaRPr lang="en-GB"/>
+          </a:p>
+        </p:txBody>
+      </p:sp>
+      <p:sp>
+        <p:nvSpPr>
+          <p:cNvPr id="9" name="Oval 8">
+            <a:extLst>
+              <a:ext uri="{FF2B5EF4-FFF2-40B4-BE49-F238E27FC236}">
+                <a16:creationId xmlns:a16="http://schemas.microsoft.com/office/drawing/2014/main" id="{4241FA3D-AF54-627C-C686-21020A8B782D}"/>
+              </a:ext>
+            </a:extLst>
+          </p:cNvPr>
+          <p:cNvSpPr/>
+          <p:nvPr/>
+        </p:nvSpPr>
+        <p:spPr>
+          <a:xfrm>
+            <a:off x="2750456" y="5675084"/>
+            <a:ext cx="667657" cy="667657"/>
+          </a:xfrm>
+          <a:prstGeom prst="ellipse">
+            <a:avLst/>
+          </a:prstGeom>
+          <a:ln>
+            <a:noFill/>
+          </a:ln>
+        </p:spPr>
+        <p:style>
+          <a:lnRef idx="2">
+            <a:schemeClr val="accent6">
+              <a:shade val="15000"/>
+            </a:schemeClr>
+          </a:lnRef>
+          <a:fillRef idx="1">
+            <a:schemeClr val="accent6"/>
+          </a:fillRef>
+          <a:effectRef idx="0">
+            <a:schemeClr val="accent6"/>
+          </a:effectRef>
+          <a:fontRef idx="minor">
+            <a:schemeClr val="lt1"/>
+          </a:fontRef>
+        </p:style>
+        <p:txBody>
+          <a:bodyPr rtlCol="0" anchor="ctr"/>
+          <a:lstStyle/>
+          <a:p>
+            <a:pPr algn="ctr"/>
+            <a:endParaRPr lang="en-GB"/>
+          </a:p>
+        </p:txBody>
+      </p:sp>
+    </p:spTree>
+    <p:extLst>
+      <p:ext uri="{BB962C8B-B14F-4D97-AF65-F5344CB8AC3E}">
+        <p14:creationId xmlns:p14="http://schemas.microsoft.com/office/powerpoint/2010/main" val="2309449341"/>
+      </p:ext>
+    </p:extLst>
+  </p:cSld>
+  <p:clrMapOvr>
+    <a:masterClrMapping/>
+  </p:clrMapOvr>
+  <mc:AlternateContent xmlns:mc="http://schemas.openxmlformats.org/markup-compatibility/2006" xmlns:p159="http://schemas.microsoft.com/office/powerpoint/2015/09/main">
+    <mc:Choice Requires="p159">
+      <p:transition xmlns:p14="http://schemas.microsoft.com/office/powerpoint/2010/main" spd="slow" p14:dur="2000">
         <p159:morph option="byObject"/>
       </p:transition>
     </mc:Choice>
